--- a/04_Component.pptx
+++ b/04_Component.pptx
@@ -5,7 +5,7 @@
     <p:sldMasterId id="2147483648" r:id="rId1"/>
   </p:sldMasterIdLst>
   <p:notesMasterIdLst>
-    <p:notesMasterId r:id="rId18"/>
+    <p:notesMasterId r:id="rId21"/>
   </p:notesMasterIdLst>
   <p:sldIdLst>
     <p:sldId id="256" r:id="rId2"/>
@@ -13,17 +13,20 @@
     <p:sldId id="264" r:id="rId4"/>
     <p:sldId id="265" r:id="rId5"/>
     <p:sldId id="266" r:id="rId6"/>
-    <p:sldId id="267" r:id="rId7"/>
-    <p:sldId id="268" r:id="rId8"/>
-    <p:sldId id="269" r:id="rId9"/>
-    <p:sldId id="270" r:id="rId10"/>
-    <p:sldId id="271" r:id="rId11"/>
-    <p:sldId id="272" r:id="rId12"/>
-    <p:sldId id="273" r:id="rId13"/>
-    <p:sldId id="274" r:id="rId14"/>
-    <p:sldId id="275" r:id="rId15"/>
-    <p:sldId id="276" r:id="rId16"/>
-    <p:sldId id="259" r:id="rId17"/>
+    <p:sldId id="268" r:id="rId7"/>
+    <p:sldId id="269" r:id="rId8"/>
+    <p:sldId id="270" r:id="rId9"/>
+    <p:sldId id="271" r:id="rId10"/>
+    <p:sldId id="272" r:id="rId11"/>
+    <p:sldId id="273" r:id="rId12"/>
+    <p:sldId id="274" r:id="rId13"/>
+    <p:sldId id="275" r:id="rId14"/>
+    <p:sldId id="276" r:id="rId15"/>
+    <p:sldId id="277" r:id="rId16"/>
+    <p:sldId id="278" r:id="rId17"/>
+    <p:sldId id="281" r:id="rId18"/>
+    <p:sldId id="282" r:id="rId19"/>
+    <p:sldId id="259" r:id="rId20"/>
   </p:sldIdLst>
   <p:sldSz cx="9144000" cy="6858000" type="screen4x3"/>
   <p:notesSz cx="6858000" cy="9144000"/>
@@ -224,7 +227,7 @@
             <a:fld id="{6837EDA8-41C8-4B24-A206-13C08A65A6D7}" type="datetimeFigureOut">
               <a:rPr lang="zh-TW" altLang="en-US" smtClean="0"/>
               <a:pPr/>
-              <a:t>2020/3/31</a:t>
+              <a:t>2020/6/27</a:t>
             </a:fld>
             <a:endParaRPr lang="zh-TW" altLang="en-US"/>
           </a:p>
@@ -677,7 +680,7 @@
             <a:fld id="{8B85509C-BD4F-47BF-9B1E-FC2E949B3621}" type="datetime1">
               <a:rPr lang="zh-TW" altLang="en-US" smtClean="0"/>
               <a:pPr/>
-              <a:t>2020/3/31</a:t>
+              <a:t>2020/6/27</a:t>
             </a:fld>
             <a:endParaRPr lang="zh-TW" altLang="en-US"/>
           </a:p>
@@ -850,7 +853,7 @@
             <a:fld id="{42251B24-F787-4C15-8A0F-7AEC20C70069}" type="datetime1">
               <a:rPr lang="zh-TW" altLang="en-US" smtClean="0"/>
               <a:pPr/>
-              <a:t>2020/3/31</a:t>
+              <a:t>2020/6/27</a:t>
             </a:fld>
             <a:endParaRPr lang="zh-TW" altLang="en-US"/>
           </a:p>
@@ -1025,7 +1028,7 @@
             <a:fld id="{9CA0D33C-CE2B-45F1-B8D4-FFD1F131F331}" type="datetime1">
               <a:rPr lang="zh-TW" altLang="en-US" smtClean="0"/>
               <a:pPr/>
-              <a:t>2020/3/31</a:t>
+              <a:t>2020/6/27</a:t>
             </a:fld>
             <a:endParaRPr lang="zh-TW" altLang="en-US"/>
           </a:p>
@@ -1190,7 +1193,7 @@
             <a:fld id="{50B99440-D9EF-40CC-9B52-F6428D9B2C76}" type="datetime1">
               <a:rPr lang="zh-TW" altLang="en-US" smtClean="0"/>
               <a:pPr/>
-              <a:t>2020/3/31</a:t>
+              <a:t>2020/6/27</a:t>
             </a:fld>
             <a:endParaRPr lang="zh-TW" altLang="en-US"/>
           </a:p>
@@ -1432,7 +1435,7 @@
             <a:fld id="{0871BF52-5C6C-4959-8E27-CECB68D39FE4}" type="datetime1">
               <a:rPr lang="zh-TW" altLang="en-US" smtClean="0"/>
               <a:pPr/>
-              <a:t>2020/3/31</a:t>
+              <a:t>2020/6/27</a:t>
             </a:fld>
             <a:endParaRPr lang="zh-TW" altLang="en-US"/>
           </a:p>
@@ -1714,7 +1717,7 @@
             <a:fld id="{DF863F05-2DD9-4EB1-A827-12FD992DE9DC}" type="datetime1">
               <a:rPr lang="zh-TW" altLang="en-US" smtClean="0"/>
               <a:pPr/>
-              <a:t>2020/3/31</a:t>
+              <a:t>2020/6/27</a:t>
             </a:fld>
             <a:endParaRPr lang="zh-TW" altLang="en-US"/>
           </a:p>
@@ -2130,7 +2133,7 @@
             <a:fld id="{6339AF51-4491-4873-A096-75DB6CE47516}" type="datetime1">
               <a:rPr lang="zh-TW" altLang="en-US" smtClean="0"/>
               <a:pPr/>
-              <a:t>2020/3/31</a:t>
+              <a:t>2020/6/27</a:t>
             </a:fld>
             <a:endParaRPr lang="zh-TW" altLang="en-US"/>
           </a:p>
@@ -2244,7 +2247,7 @@
             <a:fld id="{EE4AD9C8-8B9E-40FF-ABE2-858AC2057BBB}" type="datetime1">
               <a:rPr lang="zh-TW" altLang="en-US" smtClean="0"/>
               <a:pPr/>
-              <a:t>2020/3/31</a:t>
+              <a:t>2020/6/27</a:t>
             </a:fld>
             <a:endParaRPr lang="zh-TW" altLang="en-US"/>
           </a:p>
@@ -2336,7 +2339,7 @@
             <a:fld id="{B4784999-BBBE-4BE4-A8D0-877E7D1D66CC}" type="datetime1">
               <a:rPr lang="zh-TW" altLang="en-US" smtClean="0"/>
               <a:pPr/>
-              <a:t>2020/3/31</a:t>
+              <a:t>2020/6/27</a:t>
             </a:fld>
             <a:endParaRPr lang="zh-TW" altLang="en-US"/>
           </a:p>
@@ -2608,7 +2611,7 @@
             <a:fld id="{E88D17E6-02BD-4944-B9FE-7BFCCBF83D48}" type="datetime1">
               <a:rPr lang="zh-TW" altLang="en-US" smtClean="0"/>
               <a:pPr/>
-              <a:t>2020/3/31</a:t>
+              <a:t>2020/6/27</a:t>
             </a:fld>
             <a:endParaRPr lang="zh-TW" altLang="en-US"/>
           </a:p>
@@ -2857,7 +2860,7 @@
             <a:fld id="{3C13E23D-1FEF-4D78-A3A3-3D6F2BB31954}" type="datetime1">
               <a:rPr lang="zh-TW" altLang="en-US" smtClean="0"/>
               <a:pPr/>
-              <a:t>2020/3/31</a:t>
+              <a:t>2020/6/27</a:t>
             </a:fld>
             <a:endParaRPr lang="zh-TW" altLang="en-US"/>
           </a:p>
@@ -3065,7 +3068,7 @@
             <a:fld id="{06197F35-AD6F-4594-8B50-334492D2E7E8}" type="datetime1">
               <a:rPr lang="zh-TW" altLang="en-US" smtClean="0"/>
               <a:pPr/>
-              <a:t>2020/3/31</a:t>
+              <a:t>2020/6/27</a:t>
             </a:fld>
             <a:endParaRPr lang="zh-TW" altLang="en-US"/>
           </a:p>
@@ -3526,7 +3529,7 @@
             <a:fld id="{C389EDC9-19E3-47AC-9C57-C6A24DEA81AD}" type="datetime1">
               <a:rPr lang="zh-TW" altLang="en-US" smtClean="0"/>
               <a:pPr/>
-              <a:t>2020/3/31</a:t>
+              <a:t>2020/6/27</a:t>
             </a:fld>
             <a:endParaRPr lang="zh-TW" altLang="en-US"/>
           </a:p>
@@ -3739,7 +3742,25 @@
                 </a:solidFill>
                 <a:latin typeface="+mj-lt"/>
               </a:rPr>
-              <a:t>Let’s look at the AppComponent in our Hello World Application.</a:t>
+              <a:t>The source code with file extension .</a:t>
+            </a:r>
+            <a:r>
+              <a:rPr lang="en-US" altLang="zh-TW" sz="1600" b="1" dirty="0" err="1">
+                <a:solidFill>
+                  <a:schemeClr val="tx1"/>
+                </a:solidFill>
+                <a:latin typeface="+mj-lt"/>
+              </a:rPr>
+              <a:t>js</a:t>
+            </a:r>
+            <a:r>
+              <a:rPr lang="en-US" altLang="zh-TW" sz="1600" b="1" dirty="0">
+                <a:solidFill>
+                  <a:schemeClr val="tx1"/>
+                </a:solidFill>
+                <a:latin typeface="+mj-lt"/>
+              </a:rPr>
+              <a:t>. It is a JavaScript file.</a:t>
             </a:r>
           </a:p>
           <a:p>
@@ -3758,7 +3779,7 @@
                 </a:solidFill>
                 <a:latin typeface="+mj-lt"/>
               </a:rPr>
-              <a:t>Go back to the source code.</a:t>
+              <a:t>If you look at the code, it is a functional components.</a:t>
             </a:r>
           </a:p>
         </p:txBody>
@@ -3845,7 +3866,7 @@
             <a:fld id="{A4F910E6-8D00-4BAF-8C48-9688E0B449D3}" type="datetime1">
               <a:rPr lang="zh-TW" altLang="en-US" smtClean="0"/>
               <a:pPr/>
-              <a:t>2020/3/31</a:t>
+              <a:t>2020/6/27</a:t>
             </a:fld>
             <a:endParaRPr lang="zh-TW" altLang="en-US"/>
           </a:p>
@@ -3918,7 +3939,7 @@
     </p:spTree>
     <p:extLst>
       <p:ext uri="{BB962C8B-B14F-4D97-AF65-F5344CB8AC3E}">
-        <p14:creationId xmlns:p14="http://schemas.microsoft.com/office/powerpoint/2010/main" val="3827099079"/>
+        <p14:creationId xmlns:p14="http://schemas.microsoft.com/office/powerpoint/2010/main" val="2545251133"/>
       </p:ext>
     </p:extLst>
   </p:cSld>
@@ -4023,7 +4044,7 @@
         <p:spPr>
           <a:xfrm>
             <a:off x="467544" y="1340768"/>
-            <a:ext cx="8219256" cy="936104"/>
+            <a:ext cx="8219256" cy="1152128"/>
           </a:xfrm>
           <a:ln>
             <a:solidFill>
@@ -4071,25 +4092,7 @@
                 </a:solidFill>
                 <a:latin typeface="+mj-lt"/>
               </a:rPr>
-              <a:t>The source code with file extension .</a:t>
-            </a:r>
-            <a:r>
-              <a:rPr lang="en-US" altLang="zh-TW" sz="1600" b="1" dirty="0" err="1">
-                <a:solidFill>
-                  <a:schemeClr val="tx1"/>
-                </a:solidFill>
-                <a:latin typeface="+mj-lt"/>
-              </a:rPr>
-              <a:t>js</a:t>
-            </a:r>
-            <a:r>
-              <a:rPr lang="en-US" altLang="zh-TW" sz="1600" b="1" dirty="0">
-                <a:solidFill>
-                  <a:schemeClr val="tx1"/>
-                </a:solidFill>
-                <a:latin typeface="+mj-lt"/>
-              </a:rPr>
-              <a:t>. It is a JavaScript file.</a:t>
+              <a:t>Change into the class component as follows:</a:t>
             </a:r>
           </a:p>
           <a:p>
@@ -4108,7 +4111,44 @@
                 </a:solidFill>
                 <a:latin typeface="+mj-lt"/>
               </a:rPr>
-              <a:t>If you look at the code, it is a functional components.</a:t>
+              <a:t>The class name is “App” and </a:t>
+            </a:r>
+            <a:r>
+              <a:rPr lang="en-US" altLang="zh-TW" sz="1600" b="1" dirty="0">
+                <a:solidFill>
+                  <a:srgbClr val="C00000"/>
+                </a:solidFill>
+                <a:latin typeface="+mj-lt"/>
+              </a:rPr>
+              <a:t>extends Component class from the React Library</a:t>
+            </a:r>
+            <a:r>
+              <a:rPr lang="en-US" altLang="zh-TW" sz="1600" b="1" dirty="0">
+                <a:solidFill>
+                  <a:schemeClr val="tx1"/>
+                </a:solidFill>
+                <a:latin typeface="+mj-lt"/>
+              </a:rPr>
+              <a:t>.</a:t>
+            </a:r>
+          </a:p>
+          <a:p>
+            <a:pPr marL="342900" indent="-342900" algn="l">
+              <a:buClr>
+                <a:srgbClr val="0070C0"/>
+              </a:buClr>
+              <a:buSzPct val="80000"/>
+              <a:buFont typeface="Wingdings" pitchFamily="2" charset="2"/>
+              <a:buChar char="u"/>
+            </a:pPr>
+            <a:r>
+              <a:rPr lang="en-US" altLang="zh-TW" sz="1600" b="1" dirty="0">
+                <a:solidFill>
+                  <a:schemeClr val="tx1"/>
+                </a:solidFill>
+                <a:latin typeface="+mj-lt"/>
+              </a:rPr>
+              <a:t>It contains the render () method which in turn returns some HTML.</a:t>
             </a:r>
           </a:p>
         </p:txBody>
@@ -4195,7 +4235,7 @@
             <a:fld id="{A4F910E6-8D00-4BAF-8C48-9688E0B449D3}" type="datetime1">
               <a:rPr lang="zh-TW" altLang="en-US" smtClean="0"/>
               <a:pPr/>
-              <a:t>2020/3/31</a:t>
+              <a:t>2020/6/27</a:t>
             </a:fld>
             <a:endParaRPr lang="zh-TW" altLang="en-US"/>
           </a:p>
@@ -4232,10 +4272,10 @@
       </p:sp>
       <p:pic>
         <p:nvPicPr>
-          <p:cNvPr id="9" name="Picture 8">
+          <p:cNvPr id="7" name="Picture 6">
             <a:extLst>
               <a:ext uri="{FF2B5EF4-FFF2-40B4-BE49-F238E27FC236}">
-                <a16:creationId xmlns:a16="http://schemas.microsoft.com/office/drawing/2014/main" id="{E795BB65-F7AF-449E-B044-0E5AE0C68B48}"/>
+                <a16:creationId xmlns:a16="http://schemas.microsoft.com/office/drawing/2014/main" id="{C89C301F-1E36-4400-9A32-8DD088B3F27B}"/>
               </a:ext>
             </a:extLst>
           </p:cNvPr>
@@ -4252,8 +4292,8 @@
         </p:blipFill>
         <p:spPr>
           <a:xfrm>
-            <a:off x="2824004" y="2367312"/>
-            <a:ext cx="3719215" cy="4191161"/>
+            <a:off x="2756770" y="2651410"/>
+            <a:ext cx="3867037" cy="4109185"/>
           </a:xfrm>
           <a:prstGeom prst="rect">
             <a:avLst/>
@@ -4265,10 +4305,62 @@
           </a:ln>
         </p:spPr>
       </p:pic>
+      <p:sp>
+        <p:nvSpPr>
+          <p:cNvPr id="8" name="Rectangle 7">
+            <a:extLst>
+              <a:ext uri="{FF2B5EF4-FFF2-40B4-BE49-F238E27FC236}">
+                <a16:creationId xmlns:a16="http://schemas.microsoft.com/office/drawing/2014/main" id="{8CBAD226-22E6-44C8-A2C4-5C341F727253}"/>
+              </a:ext>
+            </a:extLst>
+          </p:cNvPr>
+          <p:cNvSpPr/>
+          <p:nvPr/>
+        </p:nvSpPr>
+        <p:spPr>
+          <a:xfrm>
+            <a:off x="3131839" y="3573016"/>
+            <a:ext cx="3491967" cy="2448272"/>
+          </a:xfrm>
+          <a:prstGeom prst="rect">
+            <a:avLst/>
+          </a:prstGeom>
+          <a:noFill/>
+          <a:ln>
+            <a:solidFill>
+              <a:srgbClr val="C00000"/>
+            </a:solidFill>
+          </a:ln>
+        </p:spPr>
+        <p:style>
+          <a:lnRef idx="2">
+            <a:schemeClr val="accent1">
+              <a:shade val="50000"/>
+            </a:schemeClr>
+          </a:lnRef>
+          <a:fillRef idx="1">
+            <a:schemeClr val="accent1"/>
+          </a:fillRef>
+          <a:effectRef idx="0">
+            <a:schemeClr val="accent1"/>
+          </a:effectRef>
+          <a:fontRef idx="minor">
+            <a:schemeClr val="lt1"/>
+          </a:fontRef>
+        </p:style>
+        <p:txBody>
+          <a:bodyPr rtlCol="0" anchor="ctr"/>
+          <a:lstStyle/>
+          <a:p>
+            <a:pPr algn="ctr"/>
+            <a:endParaRPr lang="en-US"/>
+          </a:p>
+        </p:txBody>
+      </p:sp>
     </p:spTree>
     <p:extLst>
       <p:ext uri="{BB962C8B-B14F-4D97-AF65-F5344CB8AC3E}">
-        <p14:creationId xmlns:p14="http://schemas.microsoft.com/office/powerpoint/2010/main" val="2545251133"/>
+        <p14:creationId xmlns:p14="http://schemas.microsoft.com/office/powerpoint/2010/main" val="887693960"/>
       </p:ext>
     </p:extLst>
   </p:cSld>
@@ -4421,7 +4513,7 @@
                 </a:solidFill>
                 <a:latin typeface="+mj-lt"/>
               </a:rPr>
-              <a:t>Change into the class component as follows:</a:t>
+              <a:t>This is a simple “Hello World” application and just have one component &lt;p&gt; … &lt;/p&gt;.</a:t>
             </a:r>
           </a:p>
           <a:p>
@@ -4440,25 +4532,7 @@
                 </a:solidFill>
                 <a:latin typeface="+mj-lt"/>
               </a:rPr>
-              <a:t>The class name is “App” and </a:t>
-            </a:r>
-            <a:r>
-              <a:rPr lang="en-US" altLang="zh-TW" sz="1600" b="1" dirty="0">
-                <a:solidFill>
-                  <a:srgbClr val="C00000"/>
-                </a:solidFill>
-                <a:latin typeface="+mj-lt"/>
-              </a:rPr>
-              <a:t>extends Component class from the React Library</a:t>
-            </a:r>
-            <a:r>
-              <a:rPr lang="en-US" altLang="zh-TW" sz="1600" b="1" dirty="0">
-                <a:solidFill>
-                  <a:schemeClr val="tx1"/>
-                </a:solidFill>
-                <a:latin typeface="+mj-lt"/>
-              </a:rPr>
-              <a:t>.</a:t>
+              <a:t>You can have 10, 100, 1000, or more components.</a:t>
             </a:r>
           </a:p>
           <a:p>
@@ -4477,7 +4551,7 @@
                 </a:solidFill>
                 <a:latin typeface="+mj-lt"/>
               </a:rPr>
-              <a:t>It contains the render () method which in turn returns some HTML.</a:t>
+              <a:t>Facebook has more than 30,000 components.</a:t>
             </a:r>
           </a:p>
         </p:txBody>
@@ -4564,7 +4638,7 @@
             <a:fld id="{A4F910E6-8D00-4BAF-8C48-9688E0B449D3}" type="datetime1">
               <a:rPr lang="zh-TW" altLang="en-US" smtClean="0"/>
               <a:pPr/>
-              <a:t>2020/3/31</a:t>
+              <a:t>2020/6/27</a:t>
             </a:fld>
             <a:endParaRPr lang="zh-TW" altLang="en-US"/>
           </a:p>
@@ -4648,8 +4722,8 @@
         </p:nvSpPr>
         <p:spPr>
           <a:xfrm>
-            <a:off x="3131839" y="3573016"/>
-            <a:ext cx="3491967" cy="2448272"/>
+            <a:off x="3563888" y="4469645"/>
+            <a:ext cx="3059918" cy="557130"/>
           </a:xfrm>
           <a:prstGeom prst="rect">
             <a:avLst/>
@@ -4689,7 +4763,7 @@
     </p:spTree>
     <p:extLst>
       <p:ext uri="{BB962C8B-B14F-4D97-AF65-F5344CB8AC3E}">
-        <p14:creationId xmlns:p14="http://schemas.microsoft.com/office/powerpoint/2010/main" val="887693960"/>
+        <p14:creationId xmlns:p14="http://schemas.microsoft.com/office/powerpoint/2010/main" val="1218091615"/>
       </p:ext>
     </p:extLst>
   </p:cSld>
@@ -4794,7 +4868,7 @@
         <p:spPr>
           <a:xfrm>
             <a:off x="467544" y="1340768"/>
-            <a:ext cx="8219256" cy="1152128"/>
+            <a:ext cx="8219256" cy="2376264"/>
           </a:xfrm>
           <a:ln>
             <a:solidFill>
@@ -4817,13 +4891,13 @@
               <a:buChar char="u"/>
             </a:pPr>
             <a:r>
-              <a:rPr lang="en-US" altLang="zh-TW" sz="1600" b="1" dirty="0">
+              <a:rPr lang="en-US" altLang="zh-TW" sz="1800" b="1" dirty="0">
                 <a:solidFill>
                   <a:schemeClr val="tx1"/>
                 </a:solidFill>
                 <a:latin typeface="+mj-lt"/>
               </a:rPr>
-              <a:t>Component Types:</a:t>
+              <a:t>Components Summary</a:t>
             </a:r>
           </a:p>
           <a:p>
@@ -4836,13 +4910,13 @@
               <a:buChar char="u"/>
             </a:pPr>
             <a:r>
-              <a:rPr lang="en-US" altLang="zh-TW" sz="1600" b="1" dirty="0">
+              <a:rPr lang="en-US" altLang="zh-TW" sz="1800" b="1" dirty="0">
                 <a:solidFill>
                   <a:schemeClr val="tx1"/>
                 </a:solidFill>
                 <a:latin typeface="+mj-lt"/>
               </a:rPr>
-              <a:t>This is a simple “Hello World” application and just have one component &lt;p&gt; … &lt;/p&gt;.</a:t>
+              <a:t>Components describes a port of the user interface.</a:t>
             </a:r>
           </a:p>
           <a:p>
@@ -4855,13 +4929,13 @@
               <a:buChar char="u"/>
             </a:pPr>
             <a:r>
-              <a:rPr lang="en-US" altLang="zh-TW" sz="1600" b="1" dirty="0">
+              <a:rPr lang="en-US" altLang="zh-TW" sz="1800" b="1" dirty="0">
                 <a:solidFill>
                   <a:schemeClr val="tx1"/>
                 </a:solidFill>
                 <a:latin typeface="+mj-lt"/>
               </a:rPr>
-              <a:t>You can have 10, 100, 1000, or more components.</a:t>
+              <a:t>Components are re-usable and can be nested inside other components.</a:t>
             </a:r>
           </a:p>
           <a:p>
@@ -4874,14 +4948,103 @@
               <a:buChar char="u"/>
             </a:pPr>
             <a:r>
-              <a:rPr lang="en-US" altLang="zh-TW" sz="1600" b="1" dirty="0">
+              <a:rPr lang="en-US" altLang="zh-TW" sz="1800" b="1" dirty="0">
                 <a:solidFill>
                   <a:schemeClr val="tx1"/>
                 </a:solidFill>
                 <a:latin typeface="+mj-lt"/>
               </a:rPr>
-              <a:t>Facebook has more than 30,000 components.</a:t>
-            </a:r>
+              <a:t>There are two types of component:</a:t>
+            </a:r>
+          </a:p>
+          <a:p>
+            <a:pPr marL="800100" lvl="1" indent="-342900" algn="l">
+              <a:buClr>
+                <a:srgbClr val="0070C0"/>
+              </a:buClr>
+              <a:buSzPct val="80000"/>
+              <a:buFont typeface="Wingdings" pitchFamily="2" charset="2"/>
+              <a:buChar char="u"/>
+            </a:pPr>
+            <a:r>
+              <a:rPr lang="en-US" altLang="zh-TW" sz="1800" b="1" dirty="0">
+                <a:solidFill>
+                  <a:schemeClr val="tx1"/>
+                </a:solidFill>
+                <a:latin typeface="+mj-lt"/>
+              </a:rPr>
+              <a:t>Stateless Functional Components</a:t>
+            </a:r>
+          </a:p>
+          <a:p>
+            <a:pPr marL="800100" lvl="1" indent="-342900" algn="l">
+              <a:buClr>
+                <a:srgbClr val="0070C0"/>
+              </a:buClr>
+              <a:buSzPct val="80000"/>
+              <a:buFont typeface="Wingdings" pitchFamily="2" charset="2"/>
+              <a:buChar char="u"/>
+            </a:pPr>
+            <a:r>
+              <a:rPr lang="en-US" altLang="zh-TW" sz="1800" b="1" dirty="0">
+                <a:solidFill>
+                  <a:schemeClr val="tx1"/>
+                </a:solidFill>
+                <a:latin typeface="+mj-lt"/>
+              </a:rPr>
+              <a:t>Stateful Class Components</a:t>
+            </a:r>
+          </a:p>
+          <a:p>
+            <a:pPr marL="342900" indent="-342900" algn="l">
+              <a:buClr>
+                <a:srgbClr val="0070C0"/>
+              </a:buClr>
+              <a:buSzPct val="80000"/>
+              <a:buFont typeface="Wingdings" pitchFamily="2" charset="2"/>
+              <a:buChar char="u"/>
+            </a:pPr>
+            <a:r>
+              <a:rPr lang="en-US" altLang="zh-TW" sz="1800" b="1" dirty="0">
+                <a:solidFill>
+                  <a:schemeClr val="tx1"/>
+                </a:solidFill>
+                <a:latin typeface="+mj-lt"/>
+              </a:rPr>
+              <a:t>Components are the building blocks of any React Application.</a:t>
+            </a:r>
+          </a:p>
+          <a:p>
+            <a:pPr marL="342900" indent="-342900" algn="l">
+              <a:buClr>
+                <a:srgbClr val="0070C0"/>
+              </a:buClr>
+              <a:buSzPct val="80000"/>
+              <a:buFont typeface="Wingdings" pitchFamily="2" charset="2"/>
+              <a:buChar char="u"/>
+            </a:pPr>
+            <a:endParaRPr lang="en-US" altLang="zh-TW" sz="1800" b="1" dirty="0">
+              <a:solidFill>
+                <a:schemeClr val="tx1"/>
+              </a:solidFill>
+              <a:latin typeface="+mj-lt"/>
+            </a:endParaRPr>
+          </a:p>
+          <a:p>
+            <a:pPr marL="342900" indent="-342900" algn="l">
+              <a:buClr>
+                <a:srgbClr val="0070C0"/>
+              </a:buClr>
+              <a:buSzPct val="80000"/>
+              <a:buFont typeface="Wingdings" pitchFamily="2" charset="2"/>
+              <a:buChar char="u"/>
+            </a:pPr>
+            <a:endParaRPr lang="en-US" altLang="zh-TW" sz="1800" b="1" dirty="0">
+              <a:solidFill>
+                <a:schemeClr val="tx1"/>
+              </a:solidFill>
+              <a:latin typeface="+mj-lt"/>
+            </a:endParaRPr>
           </a:p>
         </p:txBody>
       </p:sp>
@@ -4967,7 +5130,7 @@
             <a:fld id="{A4F910E6-8D00-4BAF-8C48-9688E0B449D3}" type="datetime1">
               <a:rPr lang="zh-TW" altLang="en-US" smtClean="0"/>
               <a:pPr/>
-              <a:t>2020/3/31</a:t>
+              <a:t>2020/6/27</a:t>
             </a:fld>
             <a:endParaRPr lang="zh-TW" altLang="en-US"/>
           </a:p>
@@ -5002,97 +5165,10 @@
           </a:p>
         </p:txBody>
       </p:sp>
-      <p:pic>
-        <p:nvPicPr>
-          <p:cNvPr id="7" name="Picture 6">
-            <a:extLst>
-              <a:ext uri="{FF2B5EF4-FFF2-40B4-BE49-F238E27FC236}">
-                <a16:creationId xmlns:a16="http://schemas.microsoft.com/office/drawing/2014/main" id="{C89C301F-1E36-4400-9A32-8DD088B3F27B}"/>
-              </a:ext>
-            </a:extLst>
-          </p:cNvPr>
-          <p:cNvPicPr>
-            <a:picLocks noChangeAspect="1"/>
-          </p:cNvPicPr>
-          <p:nvPr/>
-        </p:nvPicPr>
-        <p:blipFill>
-          <a:blip r:embed="rId3"/>
-          <a:stretch>
-            <a:fillRect/>
-          </a:stretch>
-        </p:blipFill>
-        <p:spPr>
-          <a:xfrm>
-            <a:off x="2756770" y="2651410"/>
-            <a:ext cx="3867037" cy="4109185"/>
-          </a:xfrm>
-          <a:prstGeom prst="rect">
-            <a:avLst/>
-          </a:prstGeom>
-          <a:ln>
-            <a:solidFill>
-              <a:srgbClr val="C00000"/>
-            </a:solidFill>
-          </a:ln>
-        </p:spPr>
-      </p:pic>
-      <p:sp>
-        <p:nvSpPr>
-          <p:cNvPr id="8" name="Rectangle 7">
-            <a:extLst>
-              <a:ext uri="{FF2B5EF4-FFF2-40B4-BE49-F238E27FC236}">
-                <a16:creationId xmlns:a16="http://schemas.microsoft.com/office/drawing/2014/main" id="{8CBAD226-22E6-44C8-A2C4-5C341F727253}"/>
-              </a:ext>
-            </a:extLst>
-          </p:cNvPr>
-          <p:cNvSpPr/>
-          <p:nvPr/>
-        </p:nvSpPr>
-        <p:spPr>
-          <a:xfrm>
-            <a:off x="3563888" y="4469645"/>
-            <a:ext cx="3059918" cy="557130"/>
-          </a:xfrm>
-          <a:prstGeom prst="rect">
-            <a:avLst/>
-          </a:prstGeom>
-          <a:noFill/>
-          <a:ln>
-            <a:solidFill>
-              <a:srgbClr val="C00000"/>
-            </a:solidFill>
-          </a:ln>
-        </p:spPr>
-        <p:style>
-          <a:lnRef idx="2">
-            <a:schemeClr val="accent1">
-              <a:shade val="50000"/>
-            </a:schemeClr>
-          </a:lnRef>
-          <a:fillRef idx="1">
-            <a:schemeClr val="accent1"/>
-          </a:fillRef>
-          <a:effectRef idx="0">
-            <a:schemeClr val="accent1"/>
-          </a:effectRef>
-          <a:fontRef idx="minor">
-            <a:schemeClr val="lt1"/>
-          </a:fontRef>
-        </p:style>
-        <p:txBody>
-          <a:bodyPr rtlCol="0" anchor="ctr"/>
-          <a:lstStyle/>
-          <a:p>
-            <a:pPr algn="ctr"/>
-            <a:endParaRPr lang="en-US"/>
-          </a:p>
-        </p:txBody>
-      </p:sp>
     </p:spTree>
     <p:extLst>
       <p:ext uri="{BB962C8B-B14F-4D97-AF65-F5344CB8AC3E}">
-        <p14:creationId xmlns:p14="http://schemas.microsoft.com/office/powerpoint/2010/main" val="1218091615"/>
+        <p14:creationId xmlns:p14="http://schemas.microsoft.com/office/powerpoint/2010/main" val="3585387600"/>
       </p:ext>
     </p:extLst>
   </p:cSld>
@@ -5197,7 +5273,7 @@
         <p:spPr>
           <a:xfrm>
             <a:off x="467544" y="1340768"/>
-            <a:ext cx="8219256" cy="2376264"/>
+            <a:ext cx="8219256" cy="753512"/>
           </a:xfrm>
           <a:ln>
             <a:solidFill>
@@ -5220,13 +5296,13 @@
               <a:buChar char="u"/>
             </a:pPr>
             <a:r>
-              <a:rPr lang="en-US" altLang="zh-TW" sz="1800" b="1" dirty="0">
+              <a:rPr lang="en-US" altLang="zh-TW" sz="1600" b="1" dirty="0">
                 <a:solidFill>
                   <a:schemeClr val="tx1"/>
                 </a:solidFill>
                 <a:latin typeface="+mj-lt"/>
               </a:rPr>
-              <a:t>Components Summary</a:t>
+              <a:t>Component Types:</a:t>
             </a:r>
           </a:p>
           <a:p>
@@ -5239,141 +5315,14 @@
               <a:buChar char="u"/>
             </a:pPr>
             <a:r>
-              <a:rPr lang="en-US" altLang="zh-TW" sz="1800" b="1" dirty="0">
+              <a:rPr lang="en-US" altLang="zh-TW" sz="1600" b="1" dirty="0">
                 <a:solidFill>
                   <a:schemeClr val="tx1"/>
                 </a:solidFill>
                 <a:latin typeface="+mj-lt"/>
               </a:rPr>
-              <a:t>Components describes a port of the user interface.</a:t>
-            </a:r>
-          </a:p>
-          <a:p>
-            <a:pPr marL="342900" indent="-342900" algn="l">
-              <a:buClr>
-                <a:srgbClr val="0070C0"/>
-              </a:buClr>
-              <a:buSzPct val="80000"/>
-              <a:buFont typeface="Wingdings" pitchFamily="2" charset="2"/>
-              <a:buChar char="u"/>
-            </a:pPr>
-            <a:r>
-              <a:rPr lang="en-US" altLang="zh-TW" sz="1800" b="1" dirty="0">
-                <a:solidFill>
-                  <a:schemeClr val="tx1"/>
-                </a:solidFill>
-                <a:latin typeface="+mj-lt"/>
-              </a:rPr>
-              <a:t>Components are re-usable and can be nested inside other components.</a:t>
-            </a:r>
-          </a:p>
-          <a:p>
-            <a:pPr marL="342900" indent="-342900" algn="l">
-              <a:buClr>
-                <a:srgbClr val="0070C0"/>
-              </a:buClr>
-              <a:buSzPct val="80000"/>
-              <a:buFont typeface="Wingdings" pitchFamily="2" charset="2"/>
-              <a:buChar char="u"/>
-            </a:pPr>
-            <a:r>
-              <a:rPr lang="en-US" altLang="zh-TW" sz="1800" b="1" dirty="0">
-                <a:solidFill>
-                  <a:schemeClr val="tx1"/>
-                </a:solidFill>
-                <a:latin typeface="+mj-lt"/>
-              </a:rPr>
-              <a:t>There are two types of component:</a:t>
-            </a:r>
-          </a:p>
-          <a:p>
-            <a:pPr marL="800100" lvl="1" indent="-342900" algn="l">
-              <a:buClr>
-                <a:srgbClr val="0070C0"/>
-              </a:buClr>
-              <a:buSzPct val="80000"/>
-              <a:buFont typeface="Wingdings" pitchFamily="2" charset="2"/>
-              <a:buChar char="u"/>
-            </a:pPr>
-            <a:r>
-              <a:rPr lang="en-US" altLang="zh-TW" sz="1800" b="1" dirty="0">
-                <a:solidFill>
-                  <a:schemeClr val="tx1"/>
-                </a:solidFill>
-                <a:latin typeface="+mj-lt"/>
-              </a:rPr>
-              <a:t>Stateless Functional Components</a:t>
-            </a:r>
-          </a:p>
-          <a:p>
-            <a:pPr marL="800100" lvl="1" indent="-342900" algn="l">
-              <a:buClr>
-                <a:srgbClr val="0070C0"/>
-              </a:buClr>
-              <a:buSzPct val="80000"/>
-              <a:buFont typeface="Wingdings" pitchFamily="2" charset="2"/>
-              <a:buChar char="u"/>
-            </a:pPr>
-            <a:r>
-              <a:rPr lang="en-US" altLang="zh-TW" sz="1800" b="1" dirty="0">
-                <a:solidFill>
-                  <a:schemeClr val="tx1"/>
-                </a:solidFill>
-                <a:latin typeface="+mj-lt"/>
-              </a:rPr>
-              <a:t>Stateful Class Components</a:t>
-            </a:r>
-          </a:p>
-          <a:p>
-            <a:pPr marL="342900" indent="-342900" algn="l">
-              <a:buClr>
-                <a:srgbClr val="0070C0"/>
-              </a:buClr>
-              <a:buSzPct val="80000"/>
-              <a:buFont typeface="Wingdings" pitchFamily="2" charset="2"/>
-              <a:buChar char="u"/>
-            </a:pPr>
-            <a:r>
-              <a:rPr lang="en-US" altLang="zh-TW" sz="1800" b="1" dirty="0">
-                <a:solidFill>
-                  <a:schemeClr val="tx1"/>
-                </a:solidFill>
-                <a:latin typeface="+mj-lt"/>
-              </a:rPr>
-              <a:t>Components are the building blocks of any React Application.</a:t>
-            </a:r>
-          </a:p>
-          <a:p>
-            <a:pPr marL="342900" indent="-342900" algn="l">
-              <a:buClr>
-                <a:srgbClr val="0070C0"/>
-              </a:buClr>
-              <a:buSzPct val="80000"/>
-              <a:buFont typeface="Wingdings" pitchFamily="2" charset="2"/>
-              <a:buChar char="u"/>
-            </a:pPr>
-            <a:endParaRPr lang="en-US" altLang="zh-TW" sz="1800" b="1" dirty="0">
-              <a:solidFill>
-                <a:schemeClr val="tx1"/>
-              </a:solidFill>
-              <a:latin typeface="+mj-lt"/>
-            </a:endParaRPr>
-          </a:p>
-          <a:p>
-            <a:pPr marL="342900" indent="-342900" algn="l">
-              <a:buClr>
-                <a:srgbClr val="0070C0"/>
-              </a:buClr>
-              <a:buSzPct val="80000"/>
-              <a:buFont typeface="Wingdings" pitchFamily="2" charset="2"/>
-              <a:buChar char="u"/>
-            </a:pPr>
-            <a:endParaRPr lang="en-US" altLang="zh-TW" sz="1800" b="1" dirty="0">
-              <a:solidFill>
-                <a:schemeClr val="tx1"/>
-              </a:solidFill>
-              <a:latin typeface="+mj-lt"/>
-            </a:endParaRPr>
+              <a:t>More complicate the application, more the number of components.</a:t>
+            </a:r>
           </a:p>
         </p:txBody>
       </p:sp>
@@ -5459,7 +5408,7 @@
             <a:fld id="{A4F910E6-8D00-4BAF-8C48-9688E0B449D3}" type="datetime1">
               <a:rPr lang="zh-TW" altLang="en-US" smtClean="0"/>
               <a:pPr/>
-              <a:t>2020/3/31</a:t>
+              <a:t>2020/6/27</a:t>
             </a:fld>
             <a:endParaRPr lang="zh-TW" altLang="en-US"/>
           </a:p>
@@ -5494,10 +5443,97 @@
           </a:p>
         </p:txBody>
       </p:sp>
+      <p:pic>
+        <p:nvPicPr>
+          <p:cNvPr id="7" name="Picture 6">
+            <a:extLst>
+              <a:ext uri="{FF2B5EF4-FFF2-40B4-BE49-F238E27FC236}">
+                <a16:creationId xmlns:a16="http://schemas.microsoft.com/office/drawing/2014/main" id="{C89C301F-1E36-4400-9A32-8DD088B3F27B}"/>
+              </a:ext>
+            </a:extLst>
+          </p:cNvPr>
+          <p:cNvPicPr>
+            <a:picLocks noChangeAspect="1"/>
+          </p:cNvPicPr>
+          <p:nvPr/>
+        </p:nvPicPr>
+        <p:blipFill>
+          <a:blip r:embed="rId3"/>
+          <a:stretch>
+            <a:fillRect/>
+          </a:stretch>
+        </p:blipFill>
+        <p:spPr>
+          <a:xfrm>
+            <a:off x="2756770" y="2276872"/>
+            <a:ext cx="3867037" cy="4109185"/>
+          </a:xfrm>
+          <a:prstGeom prst="rect">
+            <a:avLst/>
+          </a:prstGeom>
+          <a:ln>
+            <a:solidFill>
+              <a:srgbClr val="C00000"/>
+            </a:solidFill>
+          </a:ln>
+        </p:spPr>
+      </p:pic>
+      <p:sp>
+        <p:nvSpPr>
+          <p:cNvPr id="8" name="Rectangle 7">
+            <a:extLst>
+              <a:ext uri="{FF2B5EF4-FFF2-40B4-BE49-F238E27FC236}">
+                <a16:creationId xmlns:a16="http://schemas.microsoft.com/office/drawing/2014/main" id="{8CBAD226-22E6-44C8-A2C4-5C341F727253}"/>
+              </a:ext>
+            </a:extLst>
+          </p:cNvPr>
+          <p:cNvSpPr/>
+          <p:nvPr/>
+        </p:nvSpPr>
+        <p:spPr>
+          <a:xfrm>
+            <a:off x="3563888" y="4095107"/>
+            <a:ext cx="3059918" cy="557130"/>
+          </a:xfrm>
+          <a:prstGeom prst="rect">
+            <a:avLst/>
+          </a:prstGeom>
+          <a:noFill/>
+          <a:ln>
+            <a:solidFill>
+              <a:srgbClr val="C00000"/>
+            </a:solidFill>
+          </a:ln>
+        </p:spPr>
+        <p:style>
+          <a:lnRef idx="2">
+            <a:schemeClr val="accent1">
+              <a:shade val="50000"/>
+            </a:schemeClr>
+          </a:lnRef>
+          <a:fillRef idx="1">
+            <a:schemeClr val="accent1"/>
+          </a:fillRef>
+          <a:effectRef idx="0">
+            <a:schemeClr val="accent1"/>
+          </a:effectRef>
+          <a:fontRef idx="minor">
+            <a:schemeClr val="lt1"/>
+          </a:fontRef>
+        </p:style>
+        <p:txBody>
+          <a:bodyPr rtlCol="0" anchor="ctr"/>
+          <a:lstStyle/>
+          <a:p>
+            <a:pPr algn="ctr"/>
+            <a:endParaRPr lang="en-US"/>
+          </a:p>
+        </p:txBody>
+      </p:sp>
     </p:spTree>
     <p:extLst>
       <p:ext uri="{BB962C8B-B14F-4D97-AF65-F5344CB8AC3E}">
-        <p14:creationId xmlns:p14="http://schemas.microsoft.com/office/powerpoint/2010/main" val="3585387600"/>
+        <p14:creationId xmlns:p14="http://schemas.microsoft.com/office/powerpoint/2010/main" val="1046680927"/>
       </p:ext>
     </p:extLst>
   </p:cSld>
@@ -5536,6 +5572,157 @@
         </p:nvSpPr>
         <p:spPr>
           <a:xfrm>
+            <a:off x="0" y="2130425"/>
+            <a:ext cx="9144000" cy="1470025"/>
+          </a:xfrm>
+          <a:solidFill>
+            <a:srgbClr val="00B0F0"/>
+          </a:solidFill>
+        </p:spPr>
+        <p:txBody>
+          <a:bodyPr>
+            <a:normAutofit/>
+          </a:bodyPr>
+          <a:lstStyle/>
+          <a:p>
+            <a:r>
+              <a:rPr lang="en-US" altLang="zh-TW" sz="4800" b="1" dirty="0">
+                <a:solidFill>
+                  <a:srgbClr val="FFFF00"/>
+                </a:solidFill>
+              </a:rPr>
+              <a:t>4.1 Quiz</a:t>
+            </a:r>
+            <a:endParaRPr lang="zh-TW" altLang="en-US" sz="4800" b="1" dirty="0">
+              <a:solidFill>
+                <a:srgbClr val="FFFF00"/>
+              </a:solidFill>
+            </a:endParaRPr>
+          </a:p>
+        </p:txBody>
+      </p:sp>
+      <p:sp>
+        <p:nvSpPr>
+          <p:cNvPr id="5" name="日期版面配置區 4"/>
+          <p:cNvSpPr>
+            <a:spLocks noGrp="1"/>
+          </p:cNvSpPr>
+          <p:nvPr>
+            <p:ph type="dt" sz="half" idx="10"/>
+          </p:nvPr>
+        </p:nvSpPr>
+        <p:spPr/>
+        <p:txBody>
+          <a:bodyPr/>
+          <a:lstStyle/>
+          <a:p>
+            <a:fld id="{C389EDC9-19E3-47AC-9C57-C6A24DEA81AD}" type="datetime1">
+              <a:rPr lang="zh-TW" altLang="en-US" smtClean="0"/>
+              <a:pPr/>
+              <a:t>2020/6/27</a:t>
+            </a:fld>
+            <a:endParaRPr lang="zh-TW" altLang="en-US"/>
+          </a:p>
+        </p:txBody>
+      </p:sp>
+      <p:sp>
+        <p:nvSpPr>
+          <p:cNvPr id="6" name="投影片編號版面配置區 5"/>
+          <p:cNvSpPr>
+            <a:spLocks noGrp="1"/>
+          </p:cNvSpPr>
+          <p:nvPr>
+            <p:ph type="sldNum" sz="quarter" idx="12"/>
+          </p:nvPr>
+        </p:nvSpPr>
+        <p:spPr/>
+        <p:txBody>
+          <a:bodyPr/>
+          <a:lstStyle/>
+          <a:p>
+            <a:fld id="{E4D7E63D-91F2-4366-A2C4-1B00C9E2590E}" type="slidenum">
+              <a:rPr lang="zh-TW" altLang="en-US" smtClean="0"/>
+              <a:pPr/>
+              <a:t>15</a:t>
+            </a:fld>
+            <a:endParaRPr lang="zh-TW" altLang="en-US"/>
+          </a:p>
+        </p:txBody>
+      </p:sp>
+      <p:pic>
+        <p:nvPicPr>
+          <p:cNvPr id="2050" name="Picture 2"/>
+          <p:cNvPicPr>
+            <a:picLocks noChangeAspect="1" noChangeArrowheads="1"/>
+          </p:cNvPicPr>
+          <p:nvPr/>
+        </p:nvPicPr>
+        <p:blipFill>
+          <a:blip r:embed="rId2" cstate="print"/>
+          <a:srcRect/>
+          <a:stretch>
+            <a:fillRect/>
+          </a:stretch>
+        </p:blipFill>
+        <p:spPr bwMode="auto">
+          <a:xfrm>
+            <a:off x="4283968" y="3717032"/>
+            <a:ext cx="713805" cy="644588"/>
+          </a:xfrm>
+          <a:prstGeom prst="rect">
+            <a:avLst/>
+          </a:prstGeom>
+          <a:noFill/>
+          <a:ln w="9525">
+            <a:noFill/>
+            <a:miter lim="800000"/>
+            <a:headEnd/>
+            <a:tailEnd/>
+          </a:ln>
+        </p:spPr>
+      </p:pic>
+    </p:spTree>
+    <p:extLst>
+      <p:ext uri="{BB962C8B-B14F-4D97-AF65-F5344CB8AC3E}">
+        <p14:creationId xmlns:p14="http://schemas.microsoft.com/office/powerpoint/2010/main" val="646456487"/>
+      </p:ext>
+    </p:extLst>
+  </p:cSld>
+  <p:clrMapOvr>
+    <a:masterClrMapping/>
+  </p:clrMapOvr>
+</p:sld>
+</file>
+
+<file path=ppt/slides/slide16.xml><?xml version="1.0" encoding="utf-8"?>
+<p:sld xmlns:a="http://schemas.openxmlformats.org/drawingml/2006/main" xmlns:r="http://schemas.openxmlformats.org/officeDocument/2006/relationships" xmlns:p="http://schemas.openxmlformats.org/presentationml/2006/main">
+  <p:cSld>
+    <p:spTree>
+      <p:nvGrpSpPr>
+        <p:cNvPr id="1" name=""/>
+        <p:cNvGrpSpPr/>
+        <p:nvPr/>
+      </p:nvGrpSpPr>
+      <p:grpSpPr>
+        <a:xfrm>
+          <a:off x="0" y="0"/>
+          <a:ext cx="0" cy="0"/>
+          <a:chOff x="0" y="0"/>
+          <a:chExt cx="0" cy="0"/>
+        </a:xfrm>
+      </p:grpSpPr>
+      <p:sp>
+        <p:nvSpPr>
+          <p:cNvPr id="2" name="標題 1"/>
+          <p:cNvSpPr>
+            <a:spLocks noGrp="1"/>
+          </p:cNvSpPr>
+          <p:nvPr>
+            <p:ph type="ctrTitle"/>
+          </p:nvPr>
+        </p:nvSpPr>
+        <p:spPr>
+          <a:xfrm>
             <a:off x="0" y="1"/>
             <a:ext cx="9144000" cy="764704"/>
           </a:xfrm>
@@ -5579,7 +5766,7 @@
                   <a:srgbClr val="FFFF00"/>
                 </a:solidFill>
               </a:rPr>
-              <a:t>4 Component</a:t>
+              <a:t>4.1 Quiz</a:t>
             </a:r>
             <a:endParaRPr lang="zh-TW" altLang="en-US" b="1" dirty="0">
               <a:solidFill>
@@ -5601,8 +5788,8 @@
         </p:nvSpPr>
         <p:spPr>
           <a:xfrm>
-            <a:off x="467544" y="1340768"/>
-            <a:ext cx="8219256" cy="753512"/>
+            <a:off x="467544" y="1340767"/>
+            <a:ext cx="8219256" cy="1714589"/>
           </a:xfrm>
           <a:ln>
             <a:solidFill>
@@ -5631,7 +5818,7 @@
                 </a:solidFill>
                 <a:latin typeface="+mj-lt"/>
               </a:rPr>
-              <a:t>Component Types:</a:t>
+              <a:t>Quiz:</a:t>
             </a:r>
           </a:p>
           <a:p>
@@ -5650,7 +5837,64 @@
                 </a:solidFill>
                 <a:latin typeface="+mj-lt"/>
               </a:rPr>
-              <a:t>More complicate the application, more the number of components.</a:t>
+              <a:t>1. What is component?</a:t>
+            </a:r>
+          </a:p>
+          <a:p>
+            <a:pPr marL="342900" indent="-342900" algn="l">
+              <a:buClr>
+                <a:srgbClr val="0070C0"/>
+              </a:buClr>
+              <a:buSzPct val="80000"/>
+              <a:buFont typeface="Wingdings" pitchFamily="2" charset="2"/>
+              <a:buChar char="u"/>
+            </a:pPr>
+            <a:r>
+              <a:rPr lang="en-US" altLang="zh-TW" sz="1600" b="1" dirty="0">
+                <a:solidFill>
+                  <a:schemeClr val="tx1"/>
+                </a:solidFill>
+                <a:latin typeface="+mj-lt"/>
+              </a:rPr>
+              <a:t>Ans: </a:t>
+            </a:r>
+          </a:p>
+          <a:p>
+            <a:pPr marL="342900" indent="-342900" algn="l">
+              <a:buClr>
+                <a:srgbClr val="0070C0"/>
+              </a:buClr>
+              <a:buSzPct val="80000"/>
+              <a:buFont typeface="Wingdings" pitchFamily="2" charset="2"/>
+              <a:buChar char="u"/>
+            </a:pPr>
+            <a:r>
+              <a:rPr lang="en-US" altLang="zh-TW" sz="1600" dirty="0">
+                <a:solidFill>
+                  <a:schemeClr val="tx1"/>
+                </a:solidFill>
+                <a:latin typeface="+mj-lt"/>
+              </a:rPr>
+              <a:t>In React, a component represents a part of the User Interface.</a:t>
+            </a:r>
+          </a:p>
+          <a:p>
+            <a:pPr marL="342900" indent="-342900" algn="l">
+              <a:buClr>
+                <a:srgbClr val="0070C0"/>
+              </a:buClr>
+              <a:buSzPct val="80000"/>
+              <a:buFont typeface="Wingdings" pitchFamily="2" charset="2"/>
+              <a:buChar char="u"/>
+            </a:pPr>
+            <a:r>
+              <a:rPr lang="en-US" altLang="zh-TW" sz="1600" dirty="0">
+                <a:solidFill>
+                  <a:schemeClr val="tx1"/>
+                </a:solidFill>
+                <a:latin typeface="+mj-lt"/>
+              </a:rPr>
+              <a:t>Our application has five components: One for header, One for Side Nav, One for Main Content, one for Footer, and finally, one component to contain every other component.</a:t>
             </a:r>
           </a:p>
         </p:txBody>
@@ -5737,7 +5981,7 @@
             <a:fld id="{A4F910E6-8D00-4BAF-8C48-9688E0B449D3}" type="datetime1">
               <a:rPr lang="zh-TW" altLang="en-US" smtClean="0"/>
               <a:pPr/>
-              <a:t>2020/3/31</a:t>
+              <a:t>2020/6/27</a:t>
             </a:fld>
             <a:endParaRPr lang="zh-TW" altLang="en-US"/>
           </a:p>
@@ -5766,53 +6010,18 @@
             <a:fld id="{E4D7E63D-91F2-4366-A2C4-1B00C9E2590E}" type="slidenum">
               <a:rPr lang="zh-TW" altLang="en-US" smtClean="0"/>
               <a:pPr/>
-              <a:t>15</a:t>
+              <a:t>16</a:t>
             </a:fld>
             <a:endParaRPr lang="zh-TW" altLang="en-US"/>
           </a:p>
         </p:txBody>
       </p:sp>
-      <p:pic>
-        <p:nvPicPr>
-          <p:cNvPr id="7" name="Picture 6">
+      <p:sp>
+        <p:nvSpPr>
+          <p:cNvPr id="10" name="Rectangle 9">
             <a:extLst>
               <a:ext uri="{FF2B5EF4-FFF2-40B4-BE49-F238E27FC236}">
-                <a16:creationId xmlns:a16="http://schemas.microsoft.com/office/drawing/2014/main" id="{C89C301F-1E36-4400-9A32-8DD088B3F27B}"/>
-              </a:ext>
-            </a:extLst>
-          </p:cNvPr>
-          <p:cNvPicPr>
-            <a:picLocks noChangeAspect="1"/>
-          </p:cNvPicPr>
-          <p:nvPr/>
-        </p:nvPicPr>
-        <p:blipFill>
-          <a:blip r:embed="rId3"/>
-          <a:stretch>
-            <a:fillRect/>
-          </a:stretch>
-        </p:blipFill>
-        <p:spPr>
-          <a:xfrm>
-            <a:off x="2756770" y="2276872"/>
-            <a:ext cx="3867037" cy="4109185"/>
-          </a:xfrm>
-          <a:prstGeom prst="rect">
-            <a:avLst/>
-          </a:prstGeom>
-          <a:ln>
-            <a:solidFill>
-              <a:srgbClr val="C00000"/>
-            </a:solidFill>
-          </a:ln>
-        </p:spPr>
-      </p:pic>
-      <p:sp>
-        <p:nvSpPr>
-          <p:cNvPr id="8" name="Rectangle 7">
-            <a:extLst>
-              <a:ext uri="{FF2B5EF4-FFF2-40B4-BE49-F238E27FC236}">
-                <a16:creationId xmlns:a16="http://schemas.microsoft.com/office/drawing/2014/main" id="{8CBAD226-22E6-44C8-A2C4-5C341F727253}"/>
+                <a16:creationId xmlns:a16="http://schemas.microsoft.com/office/drawing/2014/main" id="{30EF3403-0222-400C-9324-2A62A288CDE1}"/>
               </a:ext>
             </a:extLst>
           </p:cNvPr>
@@ -5821,18 +6030,18 @@
         </p:nvSpPr>
         <p:spPr>
           <a:xfrm>
-            <a:off x="3563888" y="4095107"/>
-            <a:ext cx="3059918" cy="557130"/>
+            <a:off x="2771800" y="3179006"/>
+            <a:ext cx="5616624" cy="3071365"/>
           </a:xfrm>
           <a:prstGeom prst="rect">
             <a:avLst/>
           </a:prstGeom>
-          <a:noFill/>
-          <a:ln>
-            <a:solidFill>
-              <a:srgbClr val="C00000"/>
-            </a:solidFill>
-          </a:ln>
+          <a:solidFill>
+            <a:schemeClr val="accent5">
+              <a:lumMod val="40000"/>
+              <a:lumOff val="60000"/>
+            </a:schemeClr>
+          </a:solidFill>
         </p:spPr>
         <p:style>
           <a:lnRef idx="2">
@@ -5859,10 +6068,330 @@
           </a:p>
         </p:txBody>
       </p:sp>
+      <p:sp>
+        <p:nvSpPr>
+          <p:cNvPr id="11" name="Rectangle 10">
+            <a:extLst>
+              <a:ext uri="{FF2B5EF4-FFF2-40B4-BE49-F238E27FC236}">
+                <a16:creationId xmlns:a16="http://schemas.microsoft.com/office/drawing/2014/main" id="{90524BF8-B4D1-423E-A6B6-4D41C3B6E510}"/>
+              </a:ext>
+            </a:extLst>
+          </p:cNvPr>
+          <p:cNvSpPr/>
+          <p:nvPr/>
+        </p:nvSpPr>
+        <p:spPr>
+          <a:xfrm>
+            <a:off x="2905580" y="3298044"/>
+            <a:ext cx="5328592" cy="385018"/>
+          </a:xfrm>
+          <a:prstGeom prst="rect">
+            <a:avLst/>
+          </a:prstGeom>
+          <a:solidFill>
+            <a:srgbClr val="00B050"/>
+          </a:solidFill>
+          <a:ln>
+            <a:solidFill>
+              <a:srgbClr val="00B050"/>
+            </a:solidFill>
+          </a:ln>
+        </p:spPr>
+        <p:style>
+          <a:lnRef idx="2">
+            <a:schemeClr val="accent1">
+              <a:shade val="50000"/>
+            </a:schemeClr>
+          </a:lnRef>
+          <a:fillRef idx="1">
+            <a:schemeClr val="accent1"/>
+          </a:fillRef>
+          <a:effectRef idx="0">
+            <a:schemeClr val="accent1"/>
+          </a:effectRef>
+          <a:fontRef idx="minor">
+            <a:schemeClr val="lt1"/>
+          </a:fontRef>
+        </p:style>
+        <p:txBody>
+          <a:bodyPr rtlCol="0" anchor="ctr"/>
+          <a:lstStyle/>
+          <a:p>
+            <a:pPr algn="ctr"/>
+            <a:r>
+              <a:rPr lang="en-US" dirty="0"/>
+              <a:t>Header</a:t>
+            </a:r>
+          </a:p>
+        </p:txBody>
+      </p:sp>
+      <p:sp>
+        <p:nvSpPr>
+          <p:cNvPr id="12" name="Rectangle 11">
+            <a:extLst>
+              <a:ext uri="{FF2B5EF4-FFF2-40B4-BE49-F238E27FC236}">
+                <a16:creationId xmlns:a16="http://schemas.microsoft.com/office/drawing/2014/main" id="{B9DDBD2F-0BC8-4378-824F-B648D419881E}"/>
+              </a:ext>
+            </a:extLst>
+          </p:cNvPr>
+          <p:cNvSpPr/>
+          <p:nvPr/>
+        </p:nvSpPr>
+        <p:spPr>
+          <a:xfrm>
+            <a:off x="2915816" y="3799276"/>
+            <a:ext cx="792088" cy="1811479"/>
+          </a:xfrm>
+          <a:prstGeom prst="rect">
+            <a:avLst/>
+          </a:prstGeom>
+          <a:solidFill>
+            <a:schemeClr val="accent4">
+              <a:lumMod val="60000"/>
+              <a:lumOff val="40000"/>
+            </a:schemeClr>
+          </a:solidFill>
+        </p:spPr>
+        <p:style>
+          <a:lnRef idx="2">
+            <a:schemeClr val="accent1">
+              <a:shade val="50000"/>
+            </a:schemeClr>
+          </a:lnRef>
+          <a:fillRef idx="1">
+            <a:schemeClr val="accent1"/>
+          </a:fillRef>
+          <a:effectRef idx="0">
+            <a:schemeClr val="accent1"/>
+          </a:effectRef>
+          <a:fontRef idx="minor">
+            <a:schemeClr val="lt1"/>
+          </a:fontRef>
+        </p:style>
+        <p:txBody>
+          <a:bodyPr rtlCol="0" anchor="ctr"/>
+          <a:lstStyle/>
+          <a:p>
+            <a:pPr algn="ctr"/>
+            <a:r>
+              <a:rPr lang="en-US" dirty="0"/>
+              <a:t>Side Nav</a:t>
+            </a:r>
+          </a:p>
+        </p:txBody>
+      </p:sp>
+      <p:sp>
+        <p:nvSpPr>
+          <p:cNvPr id="13" name="Rectangle 12">
+            <a:extLst>
+              <a:ext uri="{FF2B5EF4-FFF2-40B4-BE49-F238E27FC236}">
+                <a16:creationId xmlns:a16="http://schemas.microsoft.com/office/drawing/2014/main" id="{CDBE1942-ECC6-4D71-9FB6-841FAAFFA5EE}"/>
+              </a:ext>
+            </a:extLst>
+          </p:cNvPr>
+          <p:cNvSpPr/>
+          <p:nvPr/>
+        </p:nvSpPr>
+        <p:spPr>
+          <a:xfrm>
+            <a:off x="3886944" y="3793644"/>
+            <a:ext cx="4347228" cy="1811479"/>
+          </a:xfrm>
+          <a:prstGeom prst="rect">
+            <a:avLst/>
+          </a:prstGeom>
+          <a:solidFill>
+            <a:schemeClr val="accent4">
+              <a:lumMod val="60000"/>
+              <a:lumOff val="40000"/>
+            </a:schemeClr>
+          </a:solidFill>
+        </p:spPr>
+        <p:style>
+          <a:lnRef idx="2">
+            <a:schemeClr val="accent1">
+              <a:shade val="50000"/>
+            </a:schemeClr>
+          </a:lnRef>
+          <a:fillRef idx="1">
+            <a:schemeClr val="accent1"/>
+          </a:fillRef>
+          <a:effectRef idx="0">
+            <a:schemeClr val="accent1"/>
+          </a:effectRef>
+          <a:fontRef idx="minor">
+            <a:schemeClr val="lt1"/>
+          </a:fontRef>
+        </p:style>
+        <p:txBody>
+          <a:bodyPr rtlCol="0" anchor="ctr"/>
+          <a:lstStyle/>
+          <a:p>
+            <a:pPr algn="ctr"/>
+            <a:r>
+              <a:rPr lang="en-US" dirty="0"/>
+              <a:t>Main Content</a:t>
+            </a:r>
+          </a:p>
+        </p:txBody>
+      </p:sp>
+      <p:sp>
+        <p:nvSpPr>
+          <p:cNvPr id="14" name="Rectangle 13">
+            <a:extLst>
+              <a:ext uri="{FF2B5EF4-FFF2-40B4-BE49-F238E27FC236}">
+                <a16:creationId xmlns:a16="http://schemas.microsoft.com/office/drawing/2014/main" id="{6268B519-C5B9-4281-ACE5-8AA8E02076B3}"/>
+              </a:ext>
+            </a:extLst>
+          </p:cNvPr>
+          <p:cNvSpPr/>
+          <p:nvPr/>
+        </p:nvSpPr>
+        <p:spPr>
+          <a:xfrm>
+            <a:off x="2915816" y="5721338"/>
+            <a:ext cx="5328592" cy="385018"/>
+          </a:xfrm>
+          <a:prstGeom prst="rect">
+            <a:avLst/>
+          </a:prstGeom>
+          <a:solidFill>
+            <a:schemeClr val="accent3">
+              <a:lumMod val="75000"/>
+            </a:schemeClr>
+          </a:solidFill>
+        </p:spPr>
+        <p:style>
+          <a:lnRef idx="2">
+            <a:schemeClr val="accent1">
+              <a:shade val="50000"/>
+            </a:schemeClr>
+          </a:lnRef>
+          <a:fillRef idx="1">
+            <a:schemeClr val="accent1"/>
+          </a:fillRef>
+          <a:effectRef idx="0">
+            <a:schemeClr val="accent1"/>
+          </a:effectRef>
+          <a:fontRef idx="minor">
+            <a:schemeClr val="lt1"/>
+          </a:fontRef>
+        </p:style>
+        <p:txBody>
+          <a:bodyPr rtlCol="0" anchor="ctr"/>
+          <a:lstStyle/>
+          <a:p>
+            <a:pPr algn="ctr"/>
+            <a:r>
+              <a:rPr lang="en-US" dirty="0"/>
+              <a:t>Footer</a:t>
+            </a:r>
+          </a:p>
+        </p:txBody>
+      </p:sp>
+      <p:sp>
+        <p:nvSpPr>
+          <p:cNvPr id="15" name="Rectangle 14">
+            <a:extLst>
+              <a:ext uri="{FF2B5EF4-FFF2-40B4-BE49-F238E27FC236}">
+                <a16:creationId xmlns:a16="http://schemas.microsoft.com/office/drawing/2014/main" id="{E91D57E3-3CA9-40C0-BE2D-0D359CF54555}"/>
+              </a:ext>
+            </a:extLst>
+          </p:cNvPr>
+          <p:cNvSpPr/>
+          <p:nvPr/>
+        </p:nvSpPr>
+        <p:spPr>
+          <a:xfrm>
+            <a:off x="614536" y="4462660"/>
+            <a:ext cx="1378496" cy="504056"/>
+          </a:xfrm>
+          <a:prstGeom prst="rect">
+            <a:avLst/>
+          </a:prstGeom>
+          <a:noFill/>
+          <a:ln>
+            <a:noFill/>
+          </a:ln>
+        </p:spPr>
+        <p:style>
+          <a:lnRef idx="2">
+            <a:schemeClr val="accent1">
+              <a:shade val="50000"/>
+            </a:schemeClr>
+          </a:lnRef>
+          <a:fillRef idx="1">
+            <a:schemeClr val="accent1"/>
+          </a:fillRef>
+          <a:effectRef idx="0">
+            <a:schemeClr val="accent1"/>
+          </a:effectRef>
+          <a:fontRef idx="minor">
+            <a:schemeClr val="lt1"/>
+          </a:fontRef>
+        </p:style>
+        <p:txBody>
+          <a:bodyPr rtlCol="0" anchor="ctr"/>
+          <a:lstStyle/>
+          <a:p>
+            <a:pPr algn="ctr"/>
+            <a:r>
+              <a:rPr lang="en-US" dirty="0">
+                <a:solidFill>
+                  <a:schemeClr val="tx1"/>
+                </a:solidFill>
+              </a:rPr>
+              <a:t>Root (App) Component</a:t>
+            </a:r>
+          </a:p>
+        </p:txBody>
+      </p:sp>
+      <p:cxnSp>
+        <p:nvCxnSpPr>
+          <p:cNvPr id="16" name="Straight Arrow Connector 15">
+            <a:extLst>
+              <a:ext uri="{FF2B5EF4-FFF2-40B4-BE49-F238E27FC236}">
+                <a16:creationId xmlns:a16="http://schemas.microsoft.com/office/drawing/2014/main" id="{2FBE878A-B917-4193-8449-0E839E4C98F1}"/>
+              </a:ext>
+            </a:extLst>
+          </p:cNvPr>
+          <p:cNvCxnSpPr>
+            <a:stCxn id="10" idx="1"/>
+            <a:endCxn id="15" idx="3"/>
+          </p:cNvCxnSpPr>
+          <p:nvPr/>
+        </p:nvCxnSpPr>
+        <p:spPr>
+          <a:xfrm flipH="1" flipV="1">
+            <a:off x="1993032" y="4714688"/>
+            <a:ext cx="778768" cy="1"/>
+          </a:xfrm>
+          <a:prstGeom prst="straightConnector1">
+            <a:avLst/>
+          </a:prstGeom>
+          <a:ln>
+            <a:tailEnd type="triangle"/>
+          </a:ln>
+        </p:spPr>
+        <p:style>
+          <a:lnRef idx="1">
+            <a:schemeClr val="accent1"/>
+          </a:lnRef>
+          <a:fillRef idx="0">
+            <a:schemeClr val="accent1"/>
+          </a:fillRef>
+          <a:effectRef idx="0">
+            <a:schemeClr val="accent1"/>
+          </a:effectRef>
+          <a:fontRef idx="minor">
+            <a:schemeClr val="tx1"/>
+          </a:fontRef>
+        </p:style>
+      </p:cxnSp>
     </p:spTree>
     <p:extLst>
       <p:ext uri="{BB962C8B-B14F-4D97-AF65-F5344CB8AC3E}">
-        <p14:creationId xmlns:p14="http://schemas.microsoft.com/office/powerpoint/2010/main" val="1046680927"/>
+        <p14:creationId xmlns:p14="http://schemas.microsoft.com/office/powerpoint/2010/main" val="165678265"/>
       </p:ext>
     </p:extLst>
   </p:cSld>
@@ -5872,144 +6401,7 @@
 </p:sld>
 </file>
 
-<file path=ppt/slides/slide16.xml><?xml version="1.0" encoding="utf-8"?>
-<p:sld xmlns:a="http://schemas.openxmlformats.org/drawingml/2006/main" xmlns:r="http://schemas.openxmlformats.org/officeDocument/2006/relationships" xmlns:p="http://schemas.openxmlformats.org/presentationml/2006/main">
-  <p:cSld>
-    <p:spTree>
-      <p:nvGrpSpPr>
-        <p:cNvPr id="1" name=""/>
-        <p:cNvGrpSpPr/>
-        <p:nvPr/>
-      </p:nvGrpSpPr>
-      <p:grpSpPr>
-        <a:xfrm>
-          <a:off x="0" y="0"/>
-          <a:ext cx="0" cy="0"/>
-          <a:chOff x="0" y="0"/>
-          <a:chExt cx="0" cy="0"/>
-        </a:xfrm>
-      </p:grpSpPr>
-      <p:sp>
-        <p:nvSpPr>
-          <p:cNvPr id="2" name="標題 1"/>
-          <p:cNvSpPr>
-            <a:spLocks noGrp="1"/>
-          </p:cNvSpPr>
-          <p:nvPr>
-            <p:ph type="ctrTitle"/>
-          </p:nvPr>
-        </p:nvSpPr>
-        <p:spPr>
-          <a:xfrm>
-            <a:off x="0" y="2130425"/>
-            <a:ext cx="9144000" cy="1470025"/>
-          </a:xfrm>
-          <a:gradFill flip="none" rotWithShape="1">
-            <a:gsLst>
-              <a:gs pos="0">
-                <a:srgbClr val="00B0F0">
-                  <a:shade val="30000"/>
-                  <a:satMod val="115000"/>
-                </a:srgbClr>
-              </a:gs>
-              <a:gs pos="50000">
-                <a:srgbClr val="00B0F0">
-                  <a:shade val="67500"/>
-                  <a:satMod val="115000"/>
-                </a:srgbClr>
-              </a:gs>
-              <a:gs pos="100000">
-                <a:srgbClr val="00B0F0">
-                  <a:shade val="100000"/>
-                  <a:satMod val="115000"/>
-                </a:srgbClr>
-              </a:gs>
-            </a:gsLst>
-            <a:path path="circle">
-              <a:fillToRect t="100000" r="100000"/>
-            </a:path>
-            <a:tileRect l="-100000" b="-100000"/>
-          </a:gradFill>
-        </p:spPr>
-        <p:txBody>
-          <a:bodyPr>
-            <a:normAutofit/>
-          </a:bodyPr>
-          <a:lstStyle/>
-          <a:p>
-            <a:r>
-              <a:rPr lang="en-US" altLang="zh-TW" sz="6000" b="1" dirty="0">
-                <a:solidFill>
-                  <a:srgbClr val="FFFF00"/>
-                </a:solidFill>
-              </a:rPr>
-              <a:t>End of Chapter</a:t>
-            </a:r>
-            <a:endParaRPr lang="zh-TW" altLang="en-US" sz="6000" b="1" dirty="0">
-              <a:solidFill>
-                <a:srgbClr val="FFFF00"/>
-              </a:solidFill>
-            </a:endParaRPr>
-          </a:p>
-        </p:txBody>
-      </p:sp>
-      <p:sp>
-        <p:nvSpPr>
-          <p:cNvPr id="5" name="日期版面配置區 4"/>
-          <p:cNvSpPr>
-            <a:spLocks noGrp="1"/>
-          </p:cNvSpPr>
-          <p:nvPr>
-            <p:ph type="dt" sz="half" idx="10"/>
-          </p:nvPr>
-        </p:nvSpPr>
-        <p:spPr/>
-        <p:txBody>
-          <a:bodyPr/>
-          <a:lstStyle/>
-          <a:p>
-            <a:fld id="{4E46BE27-E923-4EC2-B046-3272AE2A3E5C}" type="datetime1">
-              <a:rPr lang="zh-TW" altLang="en-US" smtClean="0"/>
-              <a:pPr/>
-              <a:t>2020/3/31</a:t>
-            </a:fld>
-            <a:endParaRPr lang="zh-TW" altLang="en-US"/>
-          </a:p>
-        </p:txBody>
-      </p:sp>
-      <p:sp>
-        <p:nvSpPr>
-          <p:cNvPr id="6" name="投影片編號版面配置區 5"/>
-          <p:cNvSpPr>
-            <a:spLocks noGrp="1"/>
-          </p:cNvSpPr>
-          <p:nvPr>
-            <p:ph type="sldNum" sz="quarter" idx="12"/>
-          </p:nvPr>
-        </p:nvSpPr>
-        <p:spPr/>
-        <p:txBody>
-          <a:bodyPr/>
-          <a:lstStyle/>
-          <a:p>
-            <a:fld id="{E4D7E63D-91F2-4366-A2C4-1B00C9E2590E}" type="slidenum">
-              <a:rPr lang="zh-TW" altLang="en-US" smtClean="0"/>
-              <a:pPr/>
-              <a:t>16</a:t>
-            </a:fld>
-            <a:endParaRPr lang="zh-TW" altLang="en-US"/>
-          </a:p>
-        </p:txBody>
-      </p:sp>
-    </p:spTree>
-  </p:cSld>
-  <p:clrMapOvr>
-    <a:masterClrMapping/>
-  </p:clrMapOvr>
-</p:sld>
-</file>
-
-<file path=ppt/slides/slide2.xml><?xml version="1.0" encoding="utf-8"?>
+<file path=ppt/slides/slide17.xml><?xml version="1.0" encoding="utf-8"?>
 <p:sld xmlns:a="http://schemas.openxmlformats.org/drawingml/2006/main" xmlns:r="http://schemas.openxmlformats.org/officeDocument/2006/relationships" xmlns:p="http://schemas.openxmlformats.org/presentationml/2006/main">
   <p:cSld>
     <p:spTree>
@@ -6081,7 +6473,7 @@
                   <a:srgbClr val="FFFF00"/>
                 </a:solidFill>
               </a:rPr>
-              <a:t>4 Component</a:t>
+              <a:t>4.1 Quiz</a:t>
             </a:r>
             <a:endParaRPr lang="zh-TW" altLang="en-US" b="1" dirty="0">
               <a:solidFill>
@@ -6103,8 +6495,8 @@
         </p:nvSpPr>
         <p:spPr>
           <a:xfrm>
-            <a:off x="467544" y="1340766"/>
-            <a:ext cx="8219256" cy="1980221"/>
+            <a:off x="467544" y="1340768"/>
+            <a:ext cx="8219256" cy="1008112"/>
           </a:xfrm>
           <a:ln>
             <a:solidFill>
@@ -6133,7 +6525,7 @@
                 </a:solidFill>
                 <a:latin typeface="+mj-lt"/>
               </a:rPr>
-              <a:t>Component-Based Architecture:</a:t>
+              <a:t>Quiz:</a:t>
             </a:r>
           </a:p>
           <a:p>
@@ -6152,7 +6544,7 @@
                 </a:solidFill>
                 <a:latin typeface="+mj-lt"/>
               </a:rPr>
-              <a:t>In React, a component represents a part of the User Interface.</a:t>
+              <a:t>2. What are two types of component?</a:t>
             </a:r>
           </a:p>
           <a:p>
@@ -6171,45 +6563,7 @@
                 </a:solidFill>
                 <a:latin typeface="+mj-lt"/>
               </a:rPr>
-              <a:t>Our application has five components: One for header, One for Side Nav, One for Main Content, one for Footer, and finally, one component to contain every other component.</a:t>
-            </a:r>
-          </a:p>
-          <a:p>
-            <a:pPr marL="342900" indent="-342900" algn="l">
-              <a:buClr>
-                <a:srgbClr val="0070C0"/>
-              </a:buClr>
-              <a:buSzPct val="80000"/>
-              <a:buFont typeface="Wingdings" pitchFamily="2" charset="2"/>
-              <a:buChar char="u"/>
-            </a:pPr>
-            <a:r>
-              <a:rPr lang="en-US" altLang="zh-TW" sz="1600" b="1" dirty="0">
-                <a:solidFill>
-                  <a:schemeClr val="tx1"/>
-                </a:solidFill>
-                <a:latin typeface="+mj-lt"/>
-              </a:rPr>
-              <a:t>The containing component is the root component and is usually named as App Component in our application.</a:t>
-            </a:r>
-          </a:p>
-          <a:p>
-            <a:pPr marL="342900" indent="-342900" algn="l">
-              <a:buClr>
-                <a:srgbClr val="0070C0"/>
-              </a:buClr>
-              <a:buSzPct val="80000"/>
-              <a:buFont typeface="Wingdings" pitchFamily="2" charset="2"/>
-              <a:buChar char="u"/>
-            </a:pPr>
-            <a:r>
-              <a:rPr lang="en-US" altLang="zh-TW" sz="1600" b="1" dirty="0">
-                <a:solidFill>
-                  <a:schemeClr val="tx1"/>
-                </a:solidFill>
-                <a:latin typeface="+mj-lt"/>
-              </a:rPr>
-              <a:t>Each of the four nested components describe a part of the user interface.</a:t>
+              <a:t>Ans: functional component and class component</a:t>
             </a:r>
           </a:p>
         </p:txBody>
@@ -6296,7 +6650,1249 @@
             <a:fld id="{A4F910E6-8D00-4BAF-8C48-9688E0B449D3}" type="datetime1">
               <a:rPr lang="zh-TW" altLang="en-US" smtClean="0"/>
               <a:pPr/>
-              <a:t>2020/3/31</a:t>
+              <a:t>2020/6/27</a:t>
+            </a:fld>
+            <a:endParaRPr lang="zh-TW" altLang="en-US"/>
+          </a:p>
+        </p:txBody>
+      </p:sp>
+      <p:sp>
+        <p:nvSpPr>
+          <p:cNvPr id="6" name="投影片編號版面配置區 5"/>
+          <p:cNvSpPr>
+            <a:spLocks noGrp="1"/>
+          </p:cNvSpPr>
+          <p:nvPr>
+            <p:ph type="sldNum" sz="quarter" idx="12"/>
+          </p:nvPr>
+        </p:nvSpPr>
+        <p:spPr>
+          <a:xfrm>
+            <a:off x="6553200" y="6356350"/>
+            <a:ext cx="2133600" cy="404246"/>
+          </a:xfrm>
+        </p:spPr>
+        <p:txBody>
+          <a:bodyPr/>
+          <a:lstStyle/>
+          <a:p>
+            <a:fld id="{E4D7E63D-91F2-4366-A2C4-1B00C9E2590E}" type="slidenum">
+              <a:rPr lang="zh-TW" altLang="en-US" smtClean="0"/>
+              <a:pPr/>
+              <a:t>17</a:t>
+            </a:fld>
+            <a:endParaRPr lang="zh-TW" altLang="en-US"/>
+          </a:p>
+        </p:txBody>
+      </p:sp>
+    </p:spTree>
+    <p:extLst>
+      <p:ext uri="{BB962C8B-B14F-4D97-AF65-F5344CB8AC3E}">
+        <p14:creationId xmlns:p14="http://schemas.microsoft.com/office/powerpoint/2010/main" val="595781032"/>
+      </p:ext>
+    </p:extLst>
+  </p:cSld>
+  <p:clrMapOvr>
+    <a:masterClrMapping/>
+  </p:clrMapOvr>
+</p:sld>
+</file>
+
+<file path=ppt/slides/slide18.xml><?xml version="1.0" encoding="utf-8"?>
+<p:sld xmlns:a="http://schemas.openxmlformats.org/drawingml/2006/main" xmlns:r="http://schemas.openxmlformats.org/officeDocument/2006/relationships" xmlns:p="http://schemas.openxmlformats.org/presentationml/2006/main">
+  <p:cSld>
+    <p:spTree>
+      <p:nvGrpSpPr>
+        <p:cNvPr id="1" name=""/>
+        <p:cNvGrpSpPr/>
+        <p:nvPr/>
+      </p:nvGrpSpPr>
+      <p:grpSpPr>
+        <a:xfrm>
+          <a:off x="0" y="0"/>
+          <a:ext cx="0" cy="0"/>
+          <a:chOff x="0" y="0"/>
+          <a:chExt cx="0" cy="0"/>
+        </a:xfrm>
+      </p:grpSpPr>
+      <p:sp>
+        <p:nvSpPr>
+          <p:cNvPr id="2" name="標題 1"/>
+          <p:cNvSpPr>
+            <a:spLocks noGrp="1"/>
+          </p:cNvSpPr>
+          <p:nvPr>
+            <p:ph type="ctrTitle"/>
+          </p:nvPr>
+        </p:nvSpPr>
+        <p:spPr>
+          <a:xfrm>
+            <a:off x="0" y="1"/>
+            <a:ext cx="9144000" cy="764704"/>
+          </a:xfrm>
+          <a:gradFill flip="none" rotWithShape="1">
+            <a:gsLst>
+              <a:gs pos="0">
+                <a:srgbClr val="C00000">
+                  <a:shade val="30000"/>
+                  <a:satMod val="115000"/>
+                </a:srgbClr>
+              </a:gs>
+              <a:gs pos="50000">
+                <a:srgbClr val="C00000">
+                  <a:shade val="67500"/>
+                  <a:satMod val="115000"/>
+                </a:srgbClr>
+              </a:gs>
+              <a:gs pos="100000">
+                <a:srgbClr val="C00000">
+                  <a:shade val="100000"/>
+                  <a:satMod val="115000"/>
+                </a:srgbClr>
+              </a:gs>
+            </a:gsLst>
+            <a:path path="circle">
+              <a:fillToRect t="100000" r="100000"/>
+            </a:path>
+            <a:tileRect l="-100000" b="-100000"/>
+          </a:gradFill>
+        </p:spPr>
+        <p:txBody>
+          <a:bodyPr>
+            <a:normAutofit/>
+          </a:bodyPr>
+          <a:lstStyle/>
+          <a:p>
+            <a:pPr algn="l"/>
+            <a:r>
+              <a:rPr lang="en-US" altLang="zh-TW" b="1" dirty="0">
+                <a:solidFill>
+                  <a:srgbClr val="FFFF00"/>
+                </a:solidFill>
+              </a:rPr>
+              <a:t>4.1 Quiz</a:t>
+            </a:r>
+            <a:endParaRPr lang="zh-TW" altLang="en-US" b="1" dirty="0">
+              <a:solidFill>
+                <a:srgbClr val="FFFF00"/>
+              </a:solidFill>
+            </a:endParaRPr>
+          </a:p>
+        </p:txBody>
+      </p:sp>
+      <p:sp>
+        <p:nvSpPr>
+          <p:cNvPr id="3" name="副標題 2"/>
+          <p:cNvSpPr>
+            <a:spLocks noGrp="1"/>
+          </p:cNvSpPr>
+          <p:nvPr>
+            <p:ph type="subTitle" idx="1"/>
+          </p:nvPr>
+        </p:nvSpPr>
+        <p:spPr>
+          <a:xfrm>
+            <a:off x="467544" y="1340768"/>
+            <a:ext cx="8219256" cy="2129512"/>
+          </a:xfrm>
+          <a:ln>
+            <a:solidFill>
+              <a:srgbClr val="C00000"/>
+            </a:solidFill>
+          </a:ln>
+        </p:spPr>
+        <p:txBody>
+          <a:bodyPr>
+            <a:noAutofit/>
+          </a:bodyPr>
+          <a:lstStyle/>
+          <a:p>
+            <a:pPr marL="342900" indent="-342900" algn="l">
+              <a:buClr>
+                <a:srgbClr val="0070C0"/>
+              </a:buClr>
+              <a:buSzPct val="80000"/>
+              <a:buFont typeface="Wingdings" pitchFamily="2" charset="2"/>
+              <a:buChar char="u"/>
+            </a:pPr>
+            <a:r>
+              <a:rPr lang="en-US" altLang="zh-TW" sz="1600" b="1" dirty="0">
+                <a:solidFill>
+                  <a:schemeClr val="tx1"/>
+                </a:solidFill>
+                <a:latin typeface="+mj-lt"/>
+              </a:rPr>
+              <a:t>Quiz:</a:t>
+            </a:r>
+          </a:p>
+          <a:p>
+            <a:pPr marL="342900" indent="-342900" algn="l">
+              <a:buClr>
+                <a:srgbClr val="0070C0"/>
+              </a:buClr>
+              <a:buSzPct val="80000"/>
+              <a:buFont typeface="Wingdings" pitchFamily="2" charset="2"/>
+              <a:buChar char="u"/>
+            </a:pPr>
+            <a:r>
+              <a:rPr lang="en-US" altLang="zh-TW" sz="1600" b="1" dirty="0">
+                <a:solidFill>
+                  <a:schemeClr val="tx1"/>
+                </a:solidFill>
+                <a:latin typeface="+mj-lt"/>
+              </a:rPr>
+              <a:t>3. What are difference between the functional component and class component</a:t>
+            </a:r>
+          </a:p>
+          <a:p>
+            <a:pPr marL="342900" indent="-342900" algn="l">
+              <a:buClr>
+                <a:srgbClr val="0070C0"/>
+              </a:buClr>
+              <a:buSzPct val="80000"/>
+              <a:buFont typeface="Wingdings" pitchFamily="2" charset="2"/>
+              <a:buChar char="u"/>
+            </a:pPr>
+            <a:r>
+              <a:rPr lang="en-US" altLang="zh-TW" sz="1600" b="1" dirty="0">
+                <a:solidFill>
+                  <a:schemeClr val="tx1"/>
+                </a:solidFill>
+                <a:latin typeface="+mj-lt"/>
+              </a:rPr>
+              <a:t>Ans:</a:t>
+            </a:r>
+          </a:p>
+          <a:p>
+            <a:pPr marL="342900" indent="-342900" algn="l">
+              <a:buClr>
+                <a:srgbClr val="0070C0"/>
+              </a:buClr>
+              <a:buSzPct val="80000"/>
+              <a:buFont typeface="Wingdings" pitchFamily="2" charset="2"/>
+              <a:buChar char="u"/>
+            </a:pPr>
+            <a:r>
+              <a:rPr lang="en-US" altLang="zh-TW" sz="1600" b="1" dirty="0">
+                <a:solidFill>
+                  <a:schemeClr val="tx1"/>
+                </a:solidFill>
+                <a:latin typeface="+mj-lt"/>
+              </a:rPr>
+              <a:t>a) Functional component is stateless. Class component is stateful.</a:t>
+            </a:r>
+          </a:p>
+          <a:p>
+            <a:pPr marL="342900" indent="-342900" algn="l">
+              <a:buClr>
+                <a:srgbClr val="0070C0"/>
+              </a:buClr>
+              <a:buSzPct val="80000"/>
+              <a:buFont typeface="Wingdings" pitchFamily="2" charset="2"/>
+              <a:buChar char="u"/>
+            </a:pPr>
+            <a:r>
+              <a:rPr lang="en-US" altLang="zh-TW" sz="1600" b="1" dirty="0">
+                <a:solidFill>
+                  <a:schemeClr val="tx1"/>
+                </a:solidFill>
+                <a:latin typeface="+mj-lt"/>
+              </a:rPr>
+              <a:t>b) Functional components are JavaScript functions. It returns HTML which describes the UI.</a:t>
+            </a:r>
+          </a:p>
+          <a:p>
+            <a:pPr marL="342900" indent="-342900" algn="l">
+              <a:buClr>
+                <a:srgbClr val="0070C0"/>
+              </a:buClr>
+              <a:buSzPct val="80000"/>
+              <a:buFont typeface="Wingdings" pitchFamily="2" charset="2"/>
+              <a:buChar char="u"/>
+            </a:pPr>
+            <a:r>
+              <a:rPr lang="en-US" altLang="zh-TW" sz="1600" b="1" dirty="0">
+                <a:solidFill>
+                  <a:schemeClr val="tx1"/>
+                </a:solidFill>
+                <a:latin typeface="+mj-lt"/>
+              </a:rPr>
+              <a:t>Class components are ES6 classes that extend the component class from the react library. They must contain a render method which returns HTML.</a:t>
+            </a:r>
+          </a:p>
+        </p:txBody>
+      </p:sp>
+      <p:sp>
+        <p:nvSpPr>
+          <p:cNvPr id="4" name="標題 1"/>
+          <p:cNvSpPr txBox="1">
+            <a:spLocks/>
+          </p:cNvSpPr>
+          <p:nvPr/>
+        </p:nvSpPr>
+        <p:spPr>
+          <a:xfrm>
+            <a:off x="0" y="764704"/>
+            <a:ext cx="9144000" cy="398616"/>
+          </a:xfrm>
+          <a:prstGeom prst="rect">
+            <a:avLst/>
+          </a:prstGeom>
+          <a:gradFill flip="none" rotWithShape="1">
+            <a:gsLst>
+              <a:gs pos="0">
+                <a:srgbClr val="00B0F0">
+                  <a:shade val="30000"/>
+                  <a:satMod val="115000"/>
+                </a:srgbClr>
+              </a:gs>
+              <a:gs pos="50000">
+                <a:srgbClr val="00B0F0">
+                  <a:shade val="67500"/>
+                  <a:satMod val="115000"/>
+                </a:srgbClr>
+              </a:gs>
+              <a:gs pos="100000">
+                <a:srgbClr val="00B0F0">
+                  <a:shade val="100000"/>
+                  <a:satMod val="115000"/>
+                </a:srgbClr>
+              </a:gs>
+            </a:gsLst>
+            <a:path path="circle">
+              <a:fillToRect t="100000" r="100000"/>
+            </a:path>
+            <a:tileRect l="-100000" b="-100000"/>
+          </a:gradFill>
+        </p:spPr>
+        <p:txBody>
+          <a:bodyPr vert="horz" lIns="91440" tIns="45720" rIns="91440" bIns="45720" rtlCol="0" anchor="ctr">
+            <a:normAutofit/>
+          </a:bodyPr>
+          <a:lstStyle/>
+          <a:p>
+            <a:r>
+              <a:rPr lang="en-US" sz="1600" dirty="0">
+                <a:hlinkClick r:id="rId2"/>
+              </a:rPr>
+              <a:t>https://www.youtube.com/watch?v=Y2hgEGPzTZY&amp;list=PLC3y8-rFHvwgg3vaYJgHGnModB54rxOk3&amp;index=4</a:t>
+            </a:r>
+            <a:endParaRPr lang="en-US" altLang="zh-TW" sz="1600" b="1" i="1" dirty="0"/>
+          </a:p>
+        </p:txBody>
+      </p:sp>
+      <p:sp>
+        <p:nvSpPr>
+          <p:cNvPr id="5" name="日期版面配置區 4"/>
+          <p:cNvSpPr>
+            <a:spLocks noGrp="1"/>
+          </p:cNvSpPr>
+          <p:nvPr>
+            <p:ph type="dt" sz="half" idx="10"/>
+          </p:nvPr>
+        </p:nvSpPr>
+        <p:spPr>
+          <a:xfrm>
+            <a:off x="457200" y="6356350"/>
+            <a:ext cx="2133600" cy="404246"/>
+          </a:xfrm>
+        </p:spPr>
+        <p:txBody>
+          <a:bodyPr/>
+          <a:lstStyle/>
+          <a:p>
+            <a:fld id="{A4F910E6-8D00-4BAF-8C48-9688E0B449D3}" type="datetime1">
+              <a:rPr lang="zh-TW" altLang="en-US" smtClean="0"/>
+              <a:pPr/>
+              <a:t>2020/6/27</a:t>
+            </a:fld>
+            <a:endParaRPr lang="zh-TW" altLang="en-US"/>
+          </a:p>
+        </p:txBody>
+      </p:sp>
+      <p:sp>
+        <p:nvSpPr>
+          <p:cNvPr id="6" name="投影片編號版面配置區 5"/>
+          <p:cNvSpPr>
+            <a:spLocks noGrp="1"/>
+          </p:cNvSpPr>
+          <p:nvPr>
+            <p:ph type="sldNum" sz="quarter" idx="12"/>
+          </p:nvPr>
+        </p:nvSpPr>
+        <p:spPr>
+          <a:xfrm>
+            <a:off x="6553200" y="6356350"/>
+            <a:ext cx="2133600" cy="404246"/>
+          </a:xfrm>
+        </p:spPr>
+        <p:txBody>
+          <a:bodyPr/>
+          <a:lstStyle/>
+          <a:p>
+            <a:fld id="{E4D7E63D-91F2-4366-A2C4-1B00C9E2590E}" type="slidenum">
+              <a:rPr lang="zh-TW" altLang="en-US" smtClean="0"/>
+              <a:pPr/>
+              <a:t>18</a:t>
+            </a:fld>
+            <a:endParaRPr lang="zh-TW" altLang="en-US"/>
+          </a:p>
+        </p:txBody>
+      </p:sp>
+      <p:sp>
+        <p:nvSpPr>
+          <p:cNvPr id="17" name="Rectangle 16">
+            <a:extLst>
+              <a:ext uri="{FF2B5EF4-FFF2-40B4-BE49-F238E27FC236}">
+                <a16:creationId xmlns:a16="http://schemas.microsoft.com/office/drawing/2014/main" id="{28E8BDC3-C9C5-4B0C-B7A5-D39A28BC4BFE}"/>
+              </a:ext>
+            </a:extLst>
+          </p:cNvPr>
+          <p:cNvSpPr/>
+          <p:nvPr/>
+        </p:nvSpPr>
+        <p:spPr>
+          <a:xfrm>
+            <a:off x="506059" y="3915719"/>
+            <a:ext cx="3384377" cy="404246"/>
+          </a:xfrm>
+          <a:prstGeom prst="rect">
+            <a:avLst/>
+          </a:prstGeom>
+          <a:noFill/>
+          <a:ln>
+            <a:noFill/>
+          </a:ln>
+        </p:spPr>
+        <p:style>
+          <a:lnRef idx="2">
+            <a:schemeClr val="accent1">
+              <a:shade val="50000"/>
+            </a:schemeClr>
+          </a:lnRef>
+          <a:fillRef idx="1">
+            <a:schemeClr val="accent1"/>
+          </a:fillRef>
+          <a:effectRef idx="0">
+            <a:schemeClr val="accent1"/>
+          </a:effectRef>
+          <a:fontRef idx="minor">
+            <a:schemeClr val="lt1"/>
+          </a:fontRef>
+        </p:style>
+        <p:txBody>
+          <a:bodyPr rtlCol="0" anchor="ctr"/>
+          <a:lstStyle/>
+          <a:p>
+            <a:r>
+              <a:rPr lang="en-US" dirty="0">
+                <a:solidFill>
+                  <a:schemeClr val="tx1"/>
+                </a:solidFill>
+              </a:rPr>
+              <a:t>Stateless Functional Component</a:t>
+            </a:r>
+          </a:p>
+        </p:txBody>
+      </p:sp>
+      <p:sp>
+        <p:nvSpPr>
+          <p:cNvPr id="18" name="Rectangle 17">
+            <a:extLst>
+              <a:ext uri="{FF2B5EF4-FFF2-40B4-BE49-F238E27FC236}">
+                <a16:creationId xmlns:a16="http://schemas.microsoft.com/office/drawing/2014/main" id="{83150A4D-6DEA-4F4A-AB1C-E86F631AEAFA}"/>
+              </a:ext>
+            </a:extLst>
+          </p:cNvPr>
+          <p:cNvSpPr/>
+          <p:nvPr/>
+        </p:nvSpPr>
+        <p:spPr>
+          <a:xfrm>
+            <a:off x="509855" y="4321994"/>
+            <a:ext cx="4176463" cy="1584177"/>
+          </a:xfrm>
+          <a:prstGeom prst="rect">
+            <a:avLst/>
+          </a:prstGeom>
+          <a:noFill/>
+        </p:spPr>
+        <p:style>
+          <a:lnRef idx="2">
+            <a:schemeClr val="accent1">
+              <a:shade val="50000"/>
+            </a:schemeClr>
+          </a:lnRef>
+          <a:fillRef idx="1">
+            <a:schemeClr val="accent1"/>
+          </a:fillRef>
+          <a:effectRef idx="0">
+            <a:schemeClr val="accent1"/>
+          </a:effectRef>
+          <a:fontRef idx="minor">
+            <a:schemeClr val="lt1"/>
+          </a:fontRef>
+        </p:style>
+        <p:txBody>
+          <a:bodyPr rtlCol="0" anchor="ctr"/>
+          <a:lstStyle/>
+          <a:p>
+            <a:r>
+              <a:rPr lang="en-US" dirty="0">
+                <a:solidFill>
+                  <a:schemeClr val="tx1"/>
+                </a:solidFill>
+              </a:rPr>
+              <a:t>JavaScript Functions</a:t>
+            </a:r>
+          </a:p>
+          <a:p>
+            <a:endParaRPr lang="en-US" dirty="0">
+              <a:solidFill>
+                <a:schemeClr val="tx1"/>
+              </a:solidFill>
+            </a:endParaRPr>
+          </a:p>
+          <a:p>
+            <a:endParaRPr lang="en-US" dirty="0">
+              <a:solidFill>
+                <a:schemeClr val="tx1"/>
+              </a:solidFill>
+            </a:endParaRPr>
+          </a:p>
+          <a:p>
+            <a:endParaRPr lang="en-US" dirty="0">
+              <a:solidFill>
+                <a:schemeClr val="tx1"/>
+              </a:solidFill>
+            </a:endParaRPr>
+          </a:p>
+          <a:p>
+            <a:endParaRPr lang="en-US" dirty="0">
+              <a:solidFill>
+                <a:schemeClr val="tx1"/>
+              </a:solidFill>
+            </a:endParaRPr>
+          </a:p>
+        </p:txBody>
+      </p:sp>
+      <p:sp>
+        <p:nvSpPr>
+          <p:cNvPr id="19" name="Rectangle 18">
+            <a:extLst>
+              <a:ext uri="{FF2B5EF4-FFF2-40B4-BE49-F238E27FC236}">
+                <a16:creationId xmlns:a16="http://schemas.microsoft.com/office/drawing/2014/main" id="{2675089A-56BD-46F6-8991-2CF08C465265}"/>
+              </a:ext>
+            </a:extLst>
+          </p:cNvPr>
+          <p:cNvSpPr/>
+          <p:nvPr/>
+        </p:nvSpPr>
+        <p:spPr>
+          <a:xfrm>
+            <a:off x="581863" y="4722181"/>
+            <a:ext cx="4032448" cy="1016567"/>
+          </a:xfrm>
+          <a:prstGeom prst="rect">
+            <a:avLst/>
+          </a:prstGeom>
+        </p:spPr>
+        <p:style>
+          <a:lnRef idx="2">
+            <a:schemeClr val="accent1">
+              <a:shade val="50000"/>
+            </a:schemeClr>
+          </a:lnRef>
+          <a:fillRef idx="1">
+            <a:schemeClr val="accent1"/>
+          </a:fillRef>
+          <a:effectRef idx="0">
+            <a:schemeClr val="accent1"/>
+          </a:effectRef>
+          <a:fontRef idx="minor">
+            <a:schemeClr val="lt1"/>
+          </a:fontRef>
+        </p:style>
+        <p:txBody>
+          <a:bodyPr rtlCol="0" anchor="ctr"/>
+          <a:lstStyle/>
+          <a:p>
+            <a:r>
+              <a:rPr lang="en-US" dirty="0"/>
+              <a:t>function Welcome (props) {</a:t>
+            </a:r>
+          </a:p>
+          <a:p>
+            <a:r>
+              <a:rPr lang="en-US" dirty="0"/>
+              <a:t>    return &lt;h1&gt; Hello, {props.name} &lt;/h1&gt;</a:t>
+            </a:r>
+          </a:p>
+          <a:p>
+            <a:r>
+              <a:rPr lang="en-US" dirty="0"/>
+              <a:t>}</a:t>
+            </a:r>
+          </a:p>
+        </p:txBody>
+      </p:sp>
+      <p:sp>
+        <p:nvSpPr>
+          <p:cNvPr id="20" name="Rectangle 19">
+            <a:extLst>
+              <a:ext uri="{FF2B5EF4-FFF2-40B4-BE49-F238E27FC236}">
+                <a16:creationId xmlns:a16="http://schemas.microsoft.com/office/drawing/2014/main" id="{D9524B8A-4F77-4225-8778-ED20B2B6228D}"/>
+              </a:ext>
+            </a:extLst>
+          </p:cNvPr>
+          <p:cNvSpPr/>
+          <p:nvPr/>
+        </p:nvSpPr>
+        <p:spPr>
+          <a:xfrm>
+            <a:off x="4735942" y="3805342"/>
+            <a:ext cx="2808312" cy="404246"/>
+          </a:xfrm>
+          <a:prstGeom prst="rect">
+            <a:avLst/>
+          </a:prstGeom>
+          <a:noFill/>
+          <a:ln>
+            <a:noFill/>
+          </a:ln>
+        </p:spPr>
+        <p:style>
+          <a:lnRef idx="2">
+            <a:schemeClr val="accent1">
+              <a:shade val="50000"/>
+            </a:schemeClr>
+          </a:lnRef>
+          <a:fillRef idx="1">
+            <a:schemeClr val="accent1"/>
+          </a:fillRef>
+          <a:effectRef idx="0">
+            <a:schemeClr val="accent1"/>
+          </a:effectRef>
+          <a:fontRef idx="minor">
+            <a:schemeClr val="lt1"/>
+          </a:fontRef>
+        </p:style>
+        <p:txBody>
+          <a:bodyPr rtlCol="0" anchor="ctr"/>
+          <a:lstStyle/>
+          <a:p>
+            <a:r>
+              <a:rPr lang="en-US" dirty="0">
+                <a:solidFill>
+                  <a:schemeClr val="tx1"/>
+                </a:solidFill>
+              </a:rPr>
+              <a:t>Stateful Class Component</a:t>
+            </a:r>
+          </a:p>
+        </p:txBody>
+      </p:sp>
+      <p:sp>
+        <p:nvSpPr>
+          <p:cNvPr id="21" name="Rectangle 20">
+            <a:extLst>
+              <a:ext uri="{FF2B5EF4-FFF2-40B4-BE49-F238E27FC236}">
+                <a16:creationId xmlns:a16="http://schemas.microsoft.com/office/drawing/2014/main" id="{FBEDC343-C88C-40CF-8B09-DF06582E4536}"/>
+              </a:ext>
+            </a:extLst>
+          </p:cNvPr>
+          <p:cNvSpPr/>
+          <p:nvPr/>
+        </p:nvSpPr>
+        <p:spPr>
+          <a:xfrm>
+            <a:off x="4735942" y="4321994"/>
+            <a:ext cx="4228546" cy="1699294"/>
+          </a:xfrm>
+          <a:prstGeom prst="rect">
+            <a:avLst/>
+          </a:prstGeom>
+          <a:noFill/>
+        </p:spPr>
+        <p:style>
+          <a:lnRef idx="2">
+            <a:schemeClr val="accent1">
+              <a:shade val="50000"/>
+            </a:schemeClr>
+          </a:lnRef>
+          <a:fillRef idx="1">
+            <a:schemeClr val="accent1"/>
+          </a:fillRef>
+          <a:effectRef idx="0">
+            <a:schemeClr val="accent1"/>
+          </a:effectRef>
+          <a:fontRef idx="minor">
+            <a:schemeClr val="lt1"/>
+          </a:fontRef>
+        </p:style>
+        <p:txBody>
+          <a:bodyPr rtlCol="0" anchor="ctr"/>
+          <a:lstStyle/>
+          <a:p>
+            <a:r>
+              <a:rPr lang="en-US" dirty="0">
+                <a:solidFill>
+                  <a:schemeClr val="tx1"/>
+                </a:solidFill>
+              </a:rPr>
+              <a:t>Class extending Component class</a:t>
+            </a:r>
+          </a:p>
+          <a:p>
+            <a:r>
+              <a:rPr lang="en-US" dirty="0">
+                <a:solidFill>
+                  <a:schemeClr val="tx1"/>
+                </a:solidFill>
+              </a:rPr>
+              <a:t>Render method returning HTML</a:t>
+            </a:r>
+          </a:p>
+          <a:p>
+            <a:endParaRPr lang="en-US" dirty="0">
+              <a:solidFill>
+                <a:schemeClr val="tx1"/>
+              </a:solidFill>
+            </a:endParaRPr>
+          </a:p>
+          <a:p>
+            <a:endParaRPr lang="en-US" dirty="0">
+              <a:solidFill>
+                <a:schemeClr val="tx1"/>
+              </a:solidFill>
+            </a:endParaRPr>
+          </a:p>
+          <a:p>
+            <a:endParaRPr lang="en-US" dirty="0">
+              <a:solidFill>
+                <a:schemeClr val="tx1"/>
+              </a:solidFill>
+            </a:endParaRPr>
+          </a:p>
+          <a:p>
+            <a:endParaRPr lang="en-US" dirty="0">
+              <a:solidFill>
+                <a:schemeClr val="tx1"/>
+              </a:solidFill>
+            </a:endParaRPr>
+          </a:p>
+        </p:txBody>
+      </p:sp>
+      <p:sp>
+        <p:nvSpPr>
+          <p:cNvPr id="22" name="Rectangle 21">
+            <a:extLst>
+              <a:ext uri="{FF2B5EF4-FFF2-40B4-BE49-F238E27FC236}">
+                <a16:creationId xmlns:a16="http://schemas.microsoft.com/office/drawing/2014/main" id="{99B1C1E4-3271-4BD8-8D70-7B59BED0D43C}"/>
+              </a:ext>
+            </a:extLst>
+          </p:cNvPr>
+          <p:cNvSpPr/>
+          <p:nvPr/>
+        </p:nvSpPr>
+        <p:spPr>
+          <a:xfrm>
+            <a:off x="4831394" y="4876919"/>
+            <a:ext cx="3878852" cy="1016567"/>
+          </a:xfrm>
+          <a:prstGeom prst="rect">
+            <a:avLst/>
+          </a:prstGeom>
+        </p:spPr>
+        <p:style>
+          <a:lnRef idx="2">
+            <a:schemeClr val="accent1">
+              <a:shade val="50000"/>
+            </a:schemeClr>
+          </a:lnRef>
+          <a:fillRef idx="1">
+            <a:schemeClr val="accent1"/>
+          </a:fillRef>
+          <a:effectRef idx="0">
+            <a:schemeClr val="accent1"/>
+          </a:effectRef>
+          <a:fontRef idx="minor">
+            <a:schemeClr val="lt1"/>
+          </a:fontRef>
+        </p:style>
+        <p:txBody>
+          <a:bodyPr rtlCol="0" anchor="ctr"/>
+          <a:lstStyle/>
+          <a:p>
+            <a:r>
+              <a:rPr lang="en-US" sz="1400" dirty="0"/>
+              <a:t>function Welcome extends React.Component {</a:t>
+            </a:r>
+          </a:p>
+          <a:p>
+            <a:r>
+              <a:rPr lang="en-US" sz="1400" dirty="0"/>
+              <a:t>    render () {</a:t>
+            </a:r>
+          </a:p>
+          <a:p>
+            <a:r>
+              <a:rPr lang="en-US" sz="1400" dirty="0"/>
+              <a:t>        return &lt;h1&gt; Hello, {props.name} &lt;/h1&gt;</a:t>
+            </a:r>
+          </a:p>
+          <a:p>
+            <a:r>
+              <a:rPr lang="en-US" sz="1400" dirty="0"/>
+              <a:t>    }</a:t>
+            </a:r>
+          </a:p>
+          <a:p>
+            <a:r>
+              <a:rPr lang="en-US" sz="1400" dirty="0"/>
+              <a:t>}</a:t>
+            </a:r>
+          </a:p>
+        </p:txBody>
+      </p:sp>
+    </p:spTree>
+    <p:extLst>
+      <p:ext uri="{BB962C8B-B14F-4D97-AF65-F5344CB8AC3E}">
+        <p14:creationId xmlns:p14="http://schemas.microsoft.com/office/powerpoint/2010/main" val="1616562486"/>
+      </p:ext>
+    </p:extLst>
+  </p:cSld>
+  <p:clrMapOvr>
+    <a:masterClrMapping/>
+  </p:clrMapOvr>
+</p:sld>
+</file>
+
+<file path=ppt/slides/slide19.xml><?xml version="1.0" encoding="utf-8"?>
+<p:sld xmlns:a="http://schemas.openxmlformats.org/drawingml/2006/main" xmlns:r="http://schemas.openxmlformats.org/officeDocument/2006/relationships" xmlns:p="http://schemas.openxmlformats.org/presentationml/2006/main">
+  <p:cSld>
+    <p:spTree>
+      <p:nvGrpSpPr>
+        <p:cNvPr id="1" name=""/>
+        <p:cNvGrpSpPr/>
+        <p:nvPr/>
+      </p:nvGrpSpPr>
+      <p:grpSpPr>
+        <a:xfrm>
+          <a:off x="0" y="0"/>
+          <a:ext cx="0" cy="0"/>
+          <a:chOff x="0" y="0"/>
+          <a:chExt cx="0" cy="0"/>
+        </a:xfrm>
+      </p:grpSpPr>
+      <p:sp>
+        <p:nvSpPr>
+          <p:cNvPr id="2" name="標題 1"/>
+          <p:cNvSpPr>
+            <a:spLocks noGrp="1"/>
+          </p:cNvSpPr>
+          <p:nvPr>
+            <p:ph type="ctrTitle"/>
+          </p:nvPr>
+        </p:nvSpPr>
+        <p:spPr>
+          <a:xfrm>
+            <a:off x="0" y="2130425"/>
+            <a:ext cx="9144000" cy="1470025"/>
+          </a:xfrm>
+          <a:gradFill flip="none" rotWithShape="1">
+            <a:gsLst>
+              <a:gs pos="0">
+                <a:srgbClr val="00B0F0">
+                  <a:shade val="30000"/>
+                  <a:satMod val="115000"/>
+                </a:srgbClr>
+              </a:gs>
+              <a:gs pos="50000">
+                <a:srgbClr val="00B0F0">
+                  <a:shade val="67500"/>
+                  <a:satMod val="115000"/>
+                </a:srgbClr>
+              </a:gs>
+              <a:gs pos="100000">
+                <a:srgbClr val="00B0F0">
+                  <a:shade val="100000"/>
+                  <a:satMod val="115000"/>
+                </a:srgbClr>
+              </a:gs>
+            </a:gsLst>
+            <a:path path="circle">
+              <a:fillToRect t="100000" r="100000"/>
+            </a:path>
+            <a:tileRect l="-100000" b="-100000"/>
+          </a:gradFill>
+        </p:spPr>
+        <p:txBody>
+          <a:bodyPr>
+            <a:normAutofit/>
+          </a:bodyPr>
+          <a:lstStyle/>
+          <a:p>
+            <a:r>
+              <a:rPr lang="en-US" altLang="zh-TW" sz="6000" b="1" dirty="0">
+                <a:solidFill>
+                  <a:srgbClr val="FFFF00"/>
+                </a:solidFill>
+              </a:rPr>
+              <a:t>End of Chapter</a:t>
+            </a:r>
+            <a:endParaRPr lang="zh-TW" altLang="en-US" sz="6000" b="1" dirty="0">
+              <a:solidFill>
+                <a:srgbClr val="FFFF00"/>
+              </a:solidFill>
+            </a:endParaRPr>
+          </a:p>
+        </p:txBody>
+      </p:sp>
+      <p:sp>
+        <p:nvSpPr>
+          <p:cNvPr id="5" name="日期版面配置區 4"/>
+          <p:cNvSpPr>
+            <a:spLocks noGrp="1"/>
+          </p:cNvSpPr>
+          <p:nvPr>
+            <p:ph type="dt" sz="half" idx="10"/>
+          </p:nvPr>
+        </p:nvSpPr>
+        <p:spPr/>
+        <p:txBody>
+          <a:bodyPr/>
+          <a:lstStyle/>
+          <a:p>
+            <a:fld id="{4E46BE27-E923-4EC2-B046-3272AE2A3E5C}" type="datetime1">
+              <a:rPr lang="zh-TW" altLang="en-US" smtClean="0"/>
+              <a:pPr/>
+              <a:t>2020/6/27</a:t>
+            </a:fld>
+            <a:endParaRPr lang="zh-TW" altLang="en-US"/>
+          </a:p>
+        </p:txBody>
+      </p:sp>
+      <p:sp>
+        <p:nvSpPr>
+          <p:cNvPr id="6" name="投影片編號版面配置區 5"/>
+          <p:cNvSpPr>
+            <a:spLocks noGrp="1"/>
+          </p:cNvSpPr>
+          <p:nvPr>
+            <p:ph type="sldNum" sz="quarter" idx="12"/>
+          </p:nvPr>
+        </p:nvSpPr>
+        <p:spPr/>
+        <p:txBody>
+          <a:bodyPr/>
+          <a:lstStyle/>
+          <a:p>
+            <a:fld id="{E4D7E63D-91F2-4366-A2C4-1B00C9E2590E}" type="slidenum">
+              <a:rPr lang="zh-TW" altLang="en-US" smtClean="0"/>
+              <a:pPr/>
+              <a:t>19</a:t>
+            </a:fld>
+            <a:endParaRPr lang="zh-TW" altLang="en-US"/>
+          </a:p>
+        </p:txBody>
+      </p:sp>
+    </p:spTree>
+  </p:cSld>
+  <p:clrMapOvr>
+    <a:masterClrMapping/>
+  </p:clrMapOvr>
+</p:sld>
+</file>
+
+<file path=ppt/slides/slide2.xml><?xml version="1.0" encoding="utf-8"?>
+<p:sld xmlns:a="http://schemas.openxmlformats.org/drawingml/2006/main" xmlns:r="http://schemas.openxmlformats.org/officeDocument/2006/relationships" xmlns:p="http://schemas.openxmlformats.org/presentationml/2006/main">
+  <p:cSld>
+    <p:spTree>
+      <p:nvGrpSpPr>
+        <p:cNvPr id="1" name=""/>
+        <p:cNvGrpSpPr/>
+        <p:nvPr/>
+      </p:nvGrpSpPr>
+      <p:grpSpPr>
+        <a:xfrm>
+          <a:off x="0" y="0"/>
+          <a:ext cx="0" cy="0"/>
+          <a:chOff x="0" y="0"/>
+          <a:chExt cx="0" cy="0"/>
+        </a:xfrm>
+      </p:grpSpPr>
+      <p:sp>
+        <p:nvSpPr>
+          <p:cNvPr id="2" name="標題 1"/>
+          <p:cNvSpPr>
+            <a:spLocks noGrp="1"/>
+          </p:cNvSpPr>
+          <p:nvPr>
+            <p:ph type="ctrTitle"/>
+          </p:nvPr>
+        </p:nvSpPr>
+        <p:spPr>
+          <a:xfrm>
+            <a:off x="0" y="1"/>
+            <a:ext cx="9144000" cy="764704"/>
+          </a:xfrm>
+          <a:gradFill flip="none" rotWithShape="1">
+            <a:gsLst>
+              <a:gs pos="0">
+                <a:srgbClr val="C00000">
+                  <a:shade val="30000"/>
+                  <a:satMod val="115000"/>
+                </a:srgbClr>
+              </a:gs>
+              <a:gs pos="50000">
+                <a:srgbClr val="C00000">
+                  <a:shade val="67500"/>
+                  <a:satMod val="115000"/>
+                </a:srgbClr>
+              </a:gs>
+              <a:gs pos="100000">
+                <a:srgbClr val="C00000">
+                  <a:shade val="100000"/>
+                  <a:satMod val="115000"/>
+                </a:srgbClr>
+              </a:gs>
+            </a:gsLst>
+            <a:path path="circle">
+              <a:fillToRect t="100000" r="100000"/>
+            </a:path>
+            <a:tileRect l="-100000" b="-100000"/>
+          </a:gradFill>
+        </p:spPr>
+        <p:txBody>
+          <a:bodyPr>
+            <a:normAutofit/>
+          </a:bodyPr>
+          <a:lstStyle/>
+          <a:p>
+            <a:pPr algn="l"/>
+            <a:r>
+              <a:rPr lang="en-US" altLang="zh-TW" b="1" dirty="0">
+                <a:solidFill>
+                  <a:srgbClr val="FFFF00"/>
+                </a:solidFill>
+              </a:rPr>
+              <a:t>4 Component</a:t>
+            </a:r>
+            <a:endParaRPr lang="zh-TW" altLang="en-US" b="1" dirty="0">
+              <a:solidFill>
+                <a:srgbClr val="FFFF00"/>
+              </a:solidFill>
+            </a:endParaRPr>
+          </a:p>
+        </p:txBody>
+      </p:sp>
+      <p:sp>
+        <p:nvSpPr>
+          <p:cNvPr id="3" name="副標題 2"/>
+          <p:cNvSpPr>
+            <a:spLocks noGrp="1"/>
+          </p:cNvSpPr>
+          <p:nvPr>
+            <p:ph type="subTitle" idx="1"/>
+          </p:nvPr>
+        </p:nvSpPr>
+        <p:spPr>
+          <a:xfrm>
+            <a:off x="467544" y="1340766"/>
+            <a:ext cx="8219256" cy="1980221"/>
+          </a:xfrm>
+          <a:ln>
+            <a:solidFill>
+              <a:srgbClr val="C00000"/>
+            </a:solidFill>
+          </a:ln>
+        </p:spPr>
+        <p:txBody>
+          <a:bodyPr>
+            <a:noAutofit/>
+          </a:bodyPr>
+          <a:lstStyle/>
+          <a:p>
+            <a:pPr marL="342900" indent="-342900" algn="l">
+              <a:buClr>
+                <a:srgbClr val="0070C0"/>
+              </a:buClr>
+              <a:buSzPct val="80000"/>
+              <a:buFont typeface="Wingdings" pitchFamily="2" charset="2"/>
+              <a:buChar char="u"/>
+            </a:pPr>
+            <a:r>
+              <a:rPr lang="en-US" altLang="zh-TW" sz="1600" b="1" dirty="0">
+                <a:solidFill>
+                  <a:schemeClr val="tx1"/>
+                </a:solidFill>
+                <a:latin typeface="+mj-lt"/>
+              </a:rPr>
+              <a:t>Component-Based Architecture:</a:t>
+            </a:r>
+          </a:p>
+          <a:p>
+            <a:pPr marL="342900" indent="-342900" algn="l">
+              <a:buClr>
+                <a:srgbClr val="0070C0"/>
+              </a:buClr>
+              <a:buSzPct val="80000"/>
+              <a:buFont typeface="Wingdings" pitchFamily="2" charset="2"/>
+              <a:buChar char="u"/>
+            </a:pPr>
+            <a:r>
+              <a:rPr lang="en-US" altLang="zh-TW" sz="1600" b="1" dirty="0">
+                <a:solidFill>
+                  <a:schemeClr val="tx1"/>
+                </a:solidFill>
+                <a:latin typeface="+mj-lt"/>
+              </a:rPr>
+              <a:t>In React, a component represents a part of the User Interface.</a:t>
+            </a:r>
+          </a:p>
+          <a:p>
+            <a:pPr marL="342900" indent="-342900" algn="l">
+              <a:buClr>
+                <a:srgbClr val="0070C0"/>
+              </a:buClr>
+              <a:buSzPct val="80000"/>
+              <a:buFont typeface="Wingdings" pitchFamily="2" charset="2"/>
+              <a:buChar char="u"/>
+            </a:pPr>
+            <a:r>
+              <a:rPr lang="en-US" altLang="zh-TW" sz="1600" b="1" dirty="0">
+                <a:solidFill>
+                  <a:schemeClr val="tx1"/>
+                </a:solidFill>
+                <a:latin typeface="+mj-lt"/>
+              </a:rPr>
+              <a:t>Our application has five components: One for header, One for Side Nav, One for Main Content, one for Footer, and finally, one component to contain every other component.</a:t>
+            </a:r>
+          </a:p>
+          <a:p>
+            <a:pPr marL="342900" indent="-342900" algn="l">
+              <a:buClr>
+                <a:srgbClr val="0070C0"/>
+              </a:buClr>
+              <a:buSzPct val="80000"/>
+              <a:buFont typeface="Wingdings" pitchFamily="2" charset="2"/>
+              <a:buChar char="u"/>
+            </a:pPr>
+            <a:r>
+              <a:rPr lang="en-US" altLang="zh-TW" sz="1600" b="1" dirty="0">
+                <a:solidFill>
+                  <a:schemeClr val="tx1"/>
+                </a:solidFill>
+                <a:latin typeface="+mj-lt"/>
+              </a:rPr>
+              <a:t>The containing component is the root component and is usually named as App Component in our application.</a:t>
+            </a:r>
+          </a:p>
+          <a:p>
+            <a:pPr marL="342900" indent="-342900" algn="l">
+              <a:buClr>
+                <a:srgbClr val="0070C0"/>
+              </a:buClr>
+              <a:buSzPct val="80000"/>
+              <a:buFont typeface="Wingdings" pitchFamily="2" charset="2"/>
+              <a:buChar char="u"/>
+            </a:pPr>
+            <a:r>
+              <a:rPr lang="en-US" altLang="zh-TW" sz="1600" b="1" dirty="0">
+                <a:solidFill>
+                  <a:schemeClr val="tx1"/>
+                </a:solidFill>
+                <a:latin typeface="+mj-lt"/>
+              </a:rPr>
+              <a:t>Each of the four nested components describe a part of the user interface.</a:t>
+            </a:r>
+          </a:p>
+        </p:txBody>
+      </p:sp>
+      <p:sp>
+        <p:nvSpPr>
+          <p:cNvPr id="4" name="標題 1"/>
+          <p:cNvSpPr txBox="1">
+            <a:spLocks/>
+          </p:cNvSpPr>
+          <p:nvPr/>
+        </p:nvSpPr>
+        <p:spPr>
+          <a:xfrm>
+            <a:off x="0" y="764704"/>
+            <a:ext cx="9144000" cy="398616"/>
+          </a:xfrm>
+          <a:prstGeom prst="rect">
+            <a:avLst/>
+          </a:prstGeom>
+          <a:gradFill flip="none" rotWithShape="1">
+            <a:gsLst>
+              <a:gs pos="0">
+                <a:srgbClr val="00B0F0">
+                  <a:shade val="30000"/>
+                  <a:satMod val="115000"/>
+                </a:srgbClr>
+              </a:gs>
+              <a:gs pos="50000">
+                <a:srgbClr val="00B0F0">
+                  <a:shade val="67500"/>
+                  <a:satMod val="115000"/>
+                </a:srgbClr>
+              </a:gs>
+              <a:gs pos="100000">
+                <a:srgbClr val="00B0F0">
+                  <a:shade val="100000"/>
+                  <a:satMod val="115000"/>
+                </a:srgbClr>
+              </a:gs>
+            </a:gsLst>
+            <a:path path="circle">
+              <a:fillToRect t="100000" r="100000"/>
+            </a:path>
+            <a:tileRect l="-100000" b="-100000"/>
+          </a:gradFill>
+        </p:spPr>
+        <p:txBody>
+          <a:bodyPr vert="horz" lIns="91440" tIns="45720" rIns="91440" bIns="45720" rtlCol="0" anchor="ctr">
+            <a:normAutofit/>
+          </a:bodyPr>
+          <a:lstStyle/>
+          <a:p>
+            <a:r>
+              <a:rPr lang="en-US" sz="1600" dirty="0">
+                <a:hlinkClick r:id="rId2"/>
+              </a:rPr>
+              <a:t>https://www.youtube.com/watch?v=Y2hgEGPzTZY&amp;list=PLC3y8-rFHvwgg3vaYJgHGnModB54rxOk3&amp;index=4</a:t>
+            </a:r>
+            <a:endParaRPr lang="en-US" altLang="zh-TW" sz="1600" b="1" i="1" dirty="0"/>
+          </a:p>
+        </p:txBody>
+      </p:sp>
+      <p:sp>
+        <p:nvSpPr>
+          <p:cNvPr id="5" name="日期版面配置區 4"/>
+          <p:cNvSpPr>
+            <a:spLocks noGrp="1"/>
+          </p:cNvSpPr>
+          <p:nvPr>
+            <p:ph type="dt" sz="half" idx="10"/>
+          </p:nvPr>
+        </p:nvSpPr>
+        <p:spPr>
+          <a:xfrm>
+            <a:off x="457200" y="6356350"/>
+            <a:ext cx="2133600" cy="404246"/>
+          </a:xfrm>
+        </p:spPr>
+        <p:txBody>
+          <a:bodyPr/>
+          <a:lstStyle/>
+          <a:p>
+            <a:fld id="{A4F910E6-8D00-4BAF-8C48-9688E0B449D3}" type="datetime1">
+              <a:rPr lang="zh-TW" altLang="en-US" smtClean="0"/>
+              <a:pPr/>
+              <a:t>2020/6/27</a:t>
             </a:fld>
             <a:endParaRPr lang="zh-TW" altLang="en-US"/>
           </a:p>
@@ -6960,7 +8556,7 @@
             <a:fld id="{A4F910E6-8D00-4BAF-8C48-9688E0B449D3}" type="datetime1">
               <a:rPr lang="zh-TW" altLang="en-US" smtClean="0"/>
               <a:pPr/>
-              <a:t>2020/3/31</a:t>
+              <a:t>2020/6/27</a:t>
             </a:fld>
             <a:endParaRPr lang="zh-TW" altLang="en-US"/>
           </a:p>
@@ -7649,7 +9245,7 @@
             <a:fld id="{A4F910E6-8D00-4BAF-8C48-9688E0B449D3}" type="datetime1">
               <a:rPr lang="zh-TW" altLang="en-US" smtClean="0"/>
               <a:pPr/>
-              <a:t>2020/3/31</a:t>
+              <a:t>2020/6/27</a:t>
             </a:fld>
             <a:endParaRPr lang="zh-TW" altLang="en-US"/>
           </a:p>
@@ -8265,7 +9861,7 @@
                 </a:solidFill>
                 <a:latin typeface="+mj-lt"/>
               </a:rPr>
-              <a:t>How the component translate the code in our application.</a:t>
+              <a:t>How the component translate the code in our application?</a:t>
             </a:r>
           </a:p>
           <a:p>
@@ -8482,7 +10078,7 @@
             <a:fld id="{A4F910E6-8D00-4BAF-8C48-9688E0B449D3}" type="datetime1">
               <a:rPr lang="zh-TW" altLang="en-US" smtClean="0"/>
               <a:pPr/>
-              <a:t>2020/3/31</a:t>
+              <a:t>2020/6/27</a:t>
             </a:fld>
             <a:endParaRPr lang="zh-TW" altLang="en-US"/>
           </a:p>
@@ -8847,7 +10443,7 @@
         <p:spPr>
           <a:xfrm>
             <a:off x="467544" y="1340767"/>
-            <a:ext cx="8219256" cy="1875058"/>
+            <a:ext cx="8219256" cy="2362053"/>
           </a:xfrm>
           <a:ln>
             <a:solidFill>
@@ -8876,7 +10472,7 @@
                 </a:solidFill>
                 <a:latin typeface="+mj-lt"/>
               </a:rPr>
-              <a:t>Component-Based Architecture:</a:t>
+              <a:t>Component Types:</a:t>
             </a:r>
           </a:p>
           <a:p>
@@ -8895,7 +10491,25 @@
                 </a:solidFill>
                 <a:latin typeface="+mj-lt"/>
               </a:rPr>
-              <a:t>How the component translate the code in our application.</a:t>
+              <a:t>The component code is basically the code inside a .</a:t>
+            </a:r>
+            <a:r>
+              <a:rPr lang="en-US" altLang="zh-TW" sz="1600" b="1" dirty="0" err="1">
+                <a:solidFill>
+                  <a:schemeClr val="tx1"/>
+                </a:solidFill>
+                <a:latin typeface="+mj-lt"/>
+              </a:rPr>
+              <a:t>js</a:t>
+            </a:r>
+            <a:r>
+              <a:rPr lang="en-US" altLang="zh-TW" sz="1600" b="1" dirty="0">
+                <a:solidFill>
+                  <a:schemeClr val="tx1"/>
+                </a:solidFill>
+                <a:latin typeface="+mj-lt"/>
+              </a:rPr>
+              <a:t> file.</a:t>
             </a:r>
           </a:p>
           <a:p>
@@ -8914,7 +10528,7 @@
                 </a:solidFill>
                 <a:latin typeface="+mj-lt"/>
               </a:rPr>
-              <a:t>The component code is usually placed in a JavaScript file.</a:t>
+              <a:t>What is the code look like? That depends the type of the component.</a:t>
             </a:r>
           </a:p>
           <a:p>
@@ -8933,7 +10547,16 @@
                 </a:solidFill>
                 <a:latin typeface="+mj-lt"/>
               </a:rPr>
-              <a:t>For example, App Component is placed in a App.js.</a:t>
+              <a:t>In React, we have two component types, a stateless functional component and a stateful class component</a:t>
+            </a:r>
+            <a:r>
+              <a:rPr lang="en-US" altLang="zh-TW" sz="1600" b="1" dirty="0">
+                <a:solidFill>
+                  <a:schemeClr val="tx1"/>
+                </a:solidFill>
+                <a:latin typeface="+mj-lt"/>
+              </a:rPr>
+              <a:t>.</a:t>
             </a:r>
           </a:p>
           <a:p>
@@ -8948,29 +10571,11 @@
             <a:r>
               <a:rPr lang="en-US" altLang="zh-TW" sz="1600" b="1" dirty="0">
                 <a:solidFill>
-                  <a:srgbClr val="C00000"/>
+                  <a:schemeClr val="tx1"/>
                 </a:solidFill>
                 <a:latin typeface="+mj-lt"/>
               </a:rPr>
-              <a:t>You can also have component files with .</a:t>
-            </a:r>
-            <a:r>
-              <a:rPr lang="en-US" altLang="zh-TW" sz="1600" b="1" dirty="0" err="1">
-                <a:solidFill>
-                  <a:srgbClr val="C00000"/>
-                </a:solidFill>
-                <a:latin typeface="+mj-lt"/>
-              </a:rPr>
-              <a:t>jsx</a:t>
-            </a:r>
-            <a:r>
-              <a:rPr lang="en-US" altLang="zh-TW" sz="1600" b="1" dirty="0">
-                <a:solidFill>
-                  <a:srgbClr val="C00000"/>
-                </a:solidFill>
-                <a:latin typeface="+mj-lt"/>
-              </a:rPr>
-              <a:t> extension.</a:t>
+              <a:t>Functional components are literally JavaScript functions. It returns HTML which describes the UI.</a:t>
             </a:r>
           </a:p>
           <a:p>
@@ -8985,47 +10590,11 @@
             <a:r>
               <a:rPr lang="en-US" altLang="zh-TW" sz="1600" b="1" dirty="0">
                 <a:solidFill>
-                  <a:srgbClr val="C00000"/>
+                  <a:schemeClr val="tx1"/>
                 </a:solidFill>
                 <a:latin typeface="+mj-lt"/>
               </a:rPr>
-              <a:t>In our discussion, we use .</a:t>
-            </a:r>
-            <a:r>
-              <a:rPr lang="en-US" altLang="zh-TW" sz="1600" b="1" dirty="0" err="1">
-                <a:solidFill>
-                  <a:srgbClr val="C00000"/>
-                </a:solidFill>
-                <a:latin typeface="+mj-lt"/>
-              </a:rPr>
-              <a:t>js</a:t>
-            </a:r>
-            <a:r>
-              <a:rPr lang="en-US" altLang="zh-TW" sz="1600" b="1" dirty="0">
-                <a:solidFill>
-                  <a:srgbClr val="C00000"/>
-                </a:solidFill>
-                <a:latin typeface="+mj-lt"/>
-              </a:rPr>
-              <a:t> instead of .</a:t>
-            </a:r>
-            <a:r>
-              <a:rPr lang="en-US" altLang="zh-TW" sz="1600" b="1" dirty="0" err="1">
-                <a:solidFill>
-                  <a:srgbClr val="C00000"/>
-                </a:solidFill>
-                <a:latin typeface="+mj-lt"/>
-              </a:rPr>
-              <a:t>jsx</a:t>
-            </a:r>
-            <a:r>
-              <a:rPr lang="en-US" altLang="zh-TW" sz="1600" b="1" dirty="0">
-                <a:solidFill>
-                  <a:schemeClr val="tx1"/>
-                </a:solidFill>
-                <a:latin typeface="+mj-lt"/>
-              </a:rPr>
-              <a:t>.</a:t>
+              <a:t>For example, a function called Welcome which return an &lt;h1&gt; tag that hello, name.</a:t>
             </a:r>
           </a:p>
         </p:txBody>
@@ -9112,7 +10681,7 @@
             <a:fld id="{A4F910E6-8D00-4BAF-8C48-9688E0B449D3}" type="datetime1">
               <a:rPr lang="zh-TW" altLang="en-US" smtClean="0"/>
               <a:pPr/>
-              <a:t>2020/3/31</a:t>
+              <a:t>2020/6/27</a:t>
             </a:fld>
             <a:endParaRPr lang="zh-TW" altLang="en-US"/>
           </a:p>
@@ -9149,10 +10718,10 @@
       </p:sp>
       <p:sp>
         <p:nvSpPr>
-          <p:cNvPr id="9" name="Rectangle 8">
+          <p:cNvPr id="14" name="Rectangle 13">
             <a:extLst>
               <a:ext uri="{FF2B5EF4-FFF2-40B4-BE49-F238E27FC236}">
-                <a16:creationId xmlns:a16="http://schemas.microsoft.com/office/drawing/2014/main" id="{486250E0-D96B-4A35-94E0-B5EB0C266441}"/>
+                <a16:creationId xmlns:a16="http://schemas.microsoft.com/office/drawing/2014/main" id="{FE8D695B-85E6-4A28-8FB4-53AE3538875A}"/>
               </a:ext>
             </a:extLst>
           </p:cNvPr>
@@ -9161,13 +10730,16 @@
         </p:nvSpPr>
         <p:spPr>
           <a:xfrm>
-            <a:off x="1884040" y="4052118"/>
-            <a:ext cx="2016224" cy="1898177"/>
+            <a:off x="539552" y="3969312"/>
+            <a:ext cx="3384377" cy="404246"/>
           </a:xfrm>
           <a:prstGeom prst="rect">
             <a:avLst/>
           </a:prstGeom>
           <a:noFill/>
+          <a:ln>
+            <a:noFill/>
+          </a:ln>
         </p:spPr>
         <p:style>
           <a:lnRef idx="2">
@@ -9189,24 +10761,23 @@
           <a:bodyPr rtlCol="0" anchor="ctr"/>
           <a:lstStyle/>
           <a:p>
-            <a:pPr algn="ctr"/>
             <a:r>
               <a:rPr lang="en-US" dirty="0">
                 <a:solidFill>
                   <a:schemeClr val="tx1"/>
                 </a:solidFill>
               </a:rPr>
-              <a:t>Component Code</a:t>
-            </a:r>
-          </a:p>
-        </p:txBody>
-      </p:sp>
-      <p:sp>
-        <p:nvSpPr>
-          <p:cNvPr id="14" name="Rectangle 13">
+              <a:t>Stateless Functional Component</a:t>
+            </a:r>
+          </a:p>
+        </p:txBody>
+      </p:sp>
+      <p:sp>
+        <p:nvSpPr>
+          <p:cNvPr id="18" name="Rectangle 17">
             <a:extLst>
               <a:ext uri="{FF2B5EF4-FFF2-40B4-BE49-F238E27FC236}">
-                <a16:creationId xmlns:a16="http://schemas.microsoft.com/office/drawing/2014/main" id="{FE8D695B-85E6-4A28-8FB4-53AE3538875A}"/>
+                <a16:creationId xmlns:a16="http://schemas.microsoft.com/office/drawing/2014/main" id="{E6E181D7-91C7-4D68-9C8A-25EF49DCBF04}"/>
               </a:ext>
             </a:extLst>
           </p:cNvPr>
@@ -9215,8 +10786,8 @@
         </p:nvSpPr>
         <p:spPr>
           <a:xfrm>
-            <a:off x="1890863" y="3445749"/>
-            <a:ext cx="1584176" cy="404246"/>
+            <a:off x="5004048" y="3934012"/>
+            <a:ext cx="2808312" cy="404246"/>
           </a:xfrm>
           <a:prstGeom prst="rect">
             <a:avLst/>
@@ -9253,17 +10824,17 @@
                   <a:schemeClr val="tx1"/>
                 </a:solidFill>
               </a:rPr>
-              <a:t>JavaScript File</a:t>
-            </a:r>
-          </a:p>
-        </p:txBody>
-      </p:sp>
-      <p:sp>
-        <p:nvSpPr>
-          <p:cNvPr id="17" name="Rectangle 16">
+              <a:t>Stateful Class Component</a:t>
+            </a:r>
+          </a:p>
+        </p:txBody>
+      </p:sp>
+      <p:sp>
+        <p:nvSpPr>
+          <p:cNvPr id="7" name="Rectangle 6">
             <a:extLst>
               <a:ext uri="{FF2B5EF4-FFF2-40B4-BE49-F238E27FC236}">
-                <a16:creationId xmlns:a16="http://schemas.microsoft.com/office/drawing/2014/main" id="{EA6D60E8-E665-445C-9446-46480C41E823}"/>
+                <a16:creationId xmlns:a16="http://schemas.microsoft.com/office/drawing/2014/main" id="{8BB04965-20E9-4364-B988-CD5651A02EC9}"/>
               </a:ext>
             </a:extLst>
           </p:cNvPr>
@@ -9272,8 +10843,8 @@
         </p:nvSpPr>
         <p:spPr>
           <a:xfrm>
-            <a:off x="5076056" y="4052117"/>
-            <a:ext cx="2016224" cy="1898177"/>
+            <a:off x="611560" y="4374423"/>
+            <a:ext cx="4176463" cy="1584177"/>
           </a:xfrm>
           <a:prstGeom prst="rect">
             <a:avLst/>
@@ -9300,24 +10871,51 @@
           <a:bodyPr rtlCol="0" anchor="ctr"/>
           <a:lstStyle/>
           <a:p>
-            <a:pPr algn="ctr"/>
             <a:r>
               <a:rPr lang="en-US" dirty="0">
                 <a:solidFill>
                   <a:schemeClr val="tx1"/>
                 </a:solidFill>
               </a:rPr>
-              <a:t>AppComponent</a:t>
-            </a:r>
-          </a:p>
-        </p:txBody>
-      </p:sp>
-      <p:sp>
-        <p:nvSpPr>
-          <p:cNvPr id="18" name="Rectangle 17">
+              <a:t>JavaScript Functions</a:t>
+            </a:r>
+          </a:p>
+          <a:p>
+            <a:endParaRPr lang="en-US" dirty="0">
+              <a:solidFill>
+                <a:schemeClr val="tx1"/>
+              </a:solidFill>
+            </a:endParaRPr>
+          </a:p>
+          <a:p>
+            <a:endParaRPr lang="en-US" dirty="0">
+              <a:solidFill>
+                <a:schemeClr val="tx1"/>
+              </a:solidFill>
+            </a:endParaRPr>
+          </a:p>
+          <a:p>
+            <a:endParaRPr lang="en-US" dirty="0">
+              <a:solidFill>
+                <a:schemeClr val="tx1"/>
+              </a:solidFill>
+            </a:endParaRPr>
+          </a:p>
+          <a:p>
+            <a:endParaRPr lang="en-US" dirty="0">
+              <a:solidFill>
+                <a:schemeClr val="tx1"/>
+              </a:solidFill>
+            </a:endParaRPr>
+          </a:p>
+        </p:txBody>
+      </p:sp>
+      <p:sp>
+        <p:nvSpPr>
+          <p:cNvPr id="8" name="Rectangle 7">
             <a:extLst>
               <a:ext uri="{FF2B5EF4-FFF2-40B4-BE49-F238E27FC236}">
-                <a16:creationId xmlns:a16="http://schemas.microsoft.com/office/drawing/2014/main" id="{E6E181D7-91C7-4D68-9C8A-25EF49DCBF04}"/>
+                <a16:creationId xmlns:a16="http://schemas.microsoft.com/office/drawing/2014/main" id="{1F39236B-9D9A-4B6F-8E70-4EDD12AB15C3}"/>
               </a:ext>
             </a:extLst>
           </p:cNvPr>
@@ -9326,16 +10924,12 @@
         </p:nvSpPr>
         <p:spPr>
           <a:xfrm>
-            <a:off x="5004048" y="3417948"/>
-            <a:ext cx="1584176" cy="404246"/>
+            <a:off x="683568" y="4774610"/>
+            <a:ext cx="4032448" cy="1016567"/>
           </a:xfrm>
           <a:prstGeom prst="rect">
             <a:avLst/>
           </a:prstGeom>
-          <a:noFill/>
-          <a:ln>
-            <a:noFill/>
-          </a:ln>
         </p:spPr>
         <p:style>
           <a:lnRef idx="2">
@@ -9357,14 +10951,21 @@
           <a:bodyPr rtlCol="0" anchor="ctr"/>
           <a:lstStyle/>
           <a:p>
-            <a:pPr algn="ctr"/>
-            <a:r>
-              <a:rPr lang="en-US" dirty="0">
-                <a:solidFill>
-                  <a:schemeClr val="tx1"/>
-                </a:solidFill>
-              </a:rPr>
-              <a:t>App.js</a:t>
+            <a:r>
+              <a:rPr lang="en-US" dirty="0"/>
+              <a:t>function Welcome (props) {</a:t>
+            </a:r>
+          </a:p>
+          <a:p>
+            <a:r>
+              <a:rPr lang="en-US" dirty="0"/>
+              <a:t>    return &lt;h1&gt; Hello, {props.name} &lt;/h1&gt;</a:t>
+            </a:r>
+          </a:p>
+          <a:p>
+            <a:r>
+              <a:rPr lang="en-US" dirty="0"/>
+              <a:t>}</a:t>
             </a:r>
           </a:p>
         </p:txBody>
@@ -9372,7 +10973,7 @@
     </p:spTree>
     <p:extLst>
       <p:ext uri="{BB962C8B-B14F-4D97-AF65-F5344CB8AC3E}">
-        <p14:creationId xmlns:p14="http://schemas.microsoft.com/office/powerpoint/2010/main" val="3636604688"/>
+        <p14:creationId xmlns:p14="http://schemas.microsoft.com/office/powerpoint/2010/main" val="1187171045"/>
       </p:ext>
     </p:extLst>
   </p:cSld>
@@ -9477,7 +11078,7 @@
         <p:spPr>
           <a:xfrm>
             <a:off x="467544" y="1340767"/>
-            <a:ext cx="8219256" cy="2362053"/>
+            <a:ext cx="8219256" cy="1711891"/>
           </a:xfrm>
           <a:ln>
             <a:solidFill>
@@ -9525,25 +11126,7 @@
                 </a:solidFill>
                 <a:latin typeface="+mj-lt"/>
               </a:rPr>
-              <a:t>The component code is basically the code inside a .</a:t>
-            </a:r>
-            <a:r>
-              <a:rPr lang="en-US" altLang="zh-TW" sz="1600" b="1" dirty="0" err="1">
-                <a:solidFill>
-                  <a:schemeClr val="tx1"/>
-                </a:solidFill>
-                <a:latin typeface="+mj-lt"/>
-              </a:rPr>
-              <a:t>js</a:t>
-            </a:r>
-            <a:r>
-              <a:rPr lang="en-US" altLang="zh-TW" sz="1600" b="1" dirty="0">
-                <a:solidFill>
-                  <a:schemeClr val="tx1"/>
-                </a:solidFill>
-                <a:latin typeface="+mj-lt"/>
-              </a:rPr>
-              <a:t> file.</a:t>
+              <a:t>Class component, on the other hand, our regular ES6 classes that extend the component class from the react library.</a:t>
             </a:r>
           </a:p>
           <a:p>
@@ -9562,7 +11145,7 @@
                 </a:solidFill>
                 <a:latin typeface="+mj-lt"/>
               </a:rPr>
-              <a:t>What is the code look like? That depends the type of the component.</a:t>
+              <a:t>They must contain a render method which returns HTML.</a:t>
             </a:r>
           </a:p>
           <a:p>
@@ -9577,58 +11160,11 @@
             <a:r>
               <a:rPr lang="en-US" altLang="zh-TW" sz="1600" b="1" dirty="0">
                 <a:solidFill>
-                  <a:srgbClr val="C00000"/>
+                  <a:schemeClr val="tx1"/>
                 </a:solidFill>
                 <a:latin typeface="+mj-lt"/>
               </a:rPr>
-              <a:t>In React, we have two component types, a stateless functional component and a stateful class component</a:t>
-            </a:r>
-            <a:r>
-              <a:rPr lang="en-US" altLang="zh-TW" sz="1600" b="1" dirty="0">
-                <a:solidFill>
-                  <a:schemeClr val="tx1"/>
-                </a:solidFill>
-                <a:latin typeface="+mj-lt"/>
-              </a:rPr>
-              <a:t>.</a:t>
-            </a:r>
-          </a:p>
-          <a:p>
-            <a:pPr marL="342900" indent="-342900" algn="l">
-              <a:buClr>
-                <a:srgbClr val="0070C0"/>
-              </a:buClr>
-              <a:buSzPct val="80000"/>
-              <a:buFont typeface="Wingdings" pitchFamily="2" charset="2"/>
-              <a:buChar char="u"/>
-            </a:pPr>
-            <a:r>
-              <a:rPr lang="en-US" altLang="zh-TW" sz="1600" b="1" dirty="0">
-                <a:solidFill>
-                  <a:schemeClr val="tx1"/>
-                </a:solidFill>
-                <a:latin typeface="+mj-lt"/>
-              </a:rPr>
-              <a:t>Functional components are literally JavaScript functions. It returns HTML which describes the UI.</a:t>
-            </a:r>
-          </a:p>
-          <a:p>
-            <a:pPr marL="342900" indent="-342900" algn="l">
-              <a:buClr>
-                <a:srgbClr val="0070C0"/>
-              </a:buClr>
-              <a:buSzPct val="80000"/>
-              <a:buFont typeface="Wingdings" pitchFamily="2" charset="2"/>
-              <a:buChar char="u"/>
-            </a:pPr>
-            <a:r>
-              <a:rPr lang="en-US" altLang="zh-TW" sz="1600" b="1" dirty="0">
-                <a:solidFill>
-                  <a:schemeClr val="tx1"/>
-                </a:solidFill>
-                <a:latin typeface="+mj-lt"/>
-              </a:rPr>
-              <a:t>For example, a function called Welcome which return an &lt;h1&gt; tag that hello, name.</a:t>
+              <a:t>For example, class  Welcome extends React.Component and the class contains a render method which returns an &lt;h1&gt; tag that says “Hello, name”.</a:t>
             </a:r>
           </a:p>
         </p:txBody>
@@ -9715,7 +11251,7 @@
             <a:fld id="{A4F910E6-8D00-4BAF-8C48-9688E0B449D3}" type="datetime1">
               <a:rPr lang="zh-TW" altLang="en-US" smtClean="0"/>
               <a:pPr/>
-              <a:t>2020/3/31</a:t>
+              <a:t>2020/6/27</a:t>
             </a:fld>
             <a:endParaRPr lang="zh-TW" altLang="en-US"/>
           </a:p>
@@ -9764,7 +11300,7 @@
         </p:nvSpPr>
         <p:spPr>
           <a:xfrm>
-            <a:off x="467544" y="4103007"/>
+            <a:off x="528700" y="3736550"/>
             <a:ext cx="3384377" cy="404246"/>
           </a:xfrm>
           <a:prstGeom prst="rect">
@@ -9820,7 +11356,7 @@
         </p:nvSpPr>
         <p:spPr>
           <a:xfrm>
-            <a:off x="5004048" y="3934012"/>
+            <a:off x="4735942" y="3805342"/>
             <a:ext cx="2808312" cy="404246"/>
           </a:xfrm>
           <a:prstGeom prst="rect">
@@ -9851,7 +11387,6 @@
           <a:bodyPr rtlCol="0" anchor="ctr"/>
           <a:lstStyle/>
           <a:p>
-            <a:pPr algn="ctr"/>
             <a:r>
               <a:rPr lang="en-US" dirty="0">
                 <a:solidFill>
@@ -9877,8 +11412,8 @@
         </p:nvSpPr>
         <p:spPr>
           <a:xfrm>
-            <a:off x="467544" y="4540981"/>
-            <a:ext cx="4176463" cy="1584177"/>
+            <a:off x="492697" y="4312110"/>
+            <a:ext cx="3647255" cy="1468680"/>
           </a:xfrm>
           <a:prstGeom prst="rect">
             <a:avLst/>
@@ -9958,8 +11493,8 @@
         </p:nvSpPr>
         <p:spPr>
           <a:xfrm>
-            <a:off x="539552" y="4941168"/>
-            <a:ext cx="4032448" cy="1016567"/>
+            <a:off x="564705" y="4712296"/>
+            <a:ext cx="3312369" cy="1016567"/>
           </a:xfrm>
           <a:prstGeom prst="rect">
             <a:avLst/>
@@ -9986,19 +11521,182 @@
           <a:lstStyle/>
           <a:p>
             <a:r>
-              <a:rPr lang="en-US" dirty="0"/>
+              <a:rPr lang="en-US" sz="1400" dirty="0"/>
               <a:t>function Welcome (props) {</a:t>
             </a:r>
           </a:p>
           <a:p>
             <a:r>
-              <a:rPr lang="en-US" dirty="0"/>
+              <a:rPr lang="en-US" sz="1400" dirty="0"/>
               <a:t>    return &lt;h1&gt; Hello, {props.name} &lt;/h1&gt;</a:t>
             </a:r>
           </a:p>
           <a:p>
             <a:r>
-              <a:rPr lang="en-US" dirty="0"/>
+              <a:rPr lang="en-US" sz="1400" dirty="0"/>
+              <a:t>}</a:t>
+            </a:r>
+          </a:p>
+        </p:txBody>
+      </p:sp>
+      <p:sp>
+        <p:nvSpPr>
+          <p:cNvPr id="11" name="Rectangle 10">
+            <a:extLst>
+              <a:ext uri="{FF2B5EF4-FFF2-40B4-BE49-F238E27FC236}">
+                <a16:creationId xmlns:a16="http://schemas.microsoft.com/office/drawing/2014/main" id="{C3E91036-E9B0-4268-91EF-BD866B361DAA}"/>
+              </a:ext>
+            </a:extLst>
+          </p:cNvPr>
+          <p:cNvSpPr/>
+          <p:nvPr/>
+        </p:nvSpPr>
+        <p:spPr>
+          <a:xfrm>
+            <a:off x="4735942" y="4321994"/>
+            <a:ext cx="4228546" cy="1699294"/>
+          </a:xfrm>
+          <a:prstGeom prst="rect">
+            <a:avLst/>
+          </a:prstGeom>
+          <a:noFill/>
+        </p:spPr>
+        <p:style>
+          <a:lnRef idx="2">
+            <a:schemeClr val="accent1">
+              <a:shade val="50000"/>
+            </a:schemeClr>
+          </a:lnRef>
+          <a:fillRef idx="1">
+            <a:schemeClr val="accent1"/>
+          </a:fillRef>
+          <a:effectRef idx="0">
+            <a:schemeClr val="accent1"/>
+          </a:effectRef>
+          <a:fontRef idx="minor">
+            <a:schemeClr val="lt1"/>
+          </a:fontRef>
+        </p:style>
+        <p:txBody>
+          <a:bodyPr rtlCol="0" anchor="ctr"/>
+          <a:lstStyle/>
+          <a:p>
+            <a:r>
+              <a:rPr lang="en-US" dirty="0">
+                <a:solidFill>
+                  <a:schemeClr val="tx1"/>
+                </a:solidFill>
+              </a:rPr>
+              <a:t>Class extending Component class</a:t>
+            </a:r>
+          </a:p>
+          <a:p>
+            <a:r>
+              <a:rPr lang="en-US" dirty="0">
+                <a:solidFill>
+                  <a:schemeClr val="tx1"/>
+                </a:solidFill>
+              </a:rPr>
+              <a:t>Render method returning HTML</a:t>
+            </a:r>
+          </a:p>
+          <a:p>
+            <a:endParaRPr lang="en-US" dirty="0">
+              <a:solidFill>
+                <a:schemeClr val="tx1"/>
+              </a:solidFill>
+            </a:endParaRPr>
+          </a:p>
+          <a:p>
+            <a:endParaRPr lang="en-US" dirty="0">
+              <a:solidFill>
+                <a:schemeClr val="tx1"/>
+              </a:solidFill>
+            </a:endParaRPr>
+          </a:p>
+          <a:p>
+            <a:endParaRPr lang="en-US" dirty="0">
+              <a:solidFill>
+                <a:schemeClr val="tx1"/>
+              </a:solidFill>
+            </a:endParaRPr>
+          </a:p>
+          <a:p>
+            <a:endParaRPr lang="en-US" dirty="0">
+              <a:solidFill>
+                <a:schemeClr val="tx1"/>
+              </a:solidFill>
+            </a:endParaRPr>
+          </a:p>
+        </p:txBody>
+      </p:sp>
+      <p:sp>
+        <p:nvSpPr>
+          <p:cNvPr id="13" name="Rectangle 12">
+            <a:extLst>
+              <a:ext uri="{FF2B5EF4-FFF2-40B4-BE49-F238E27FC236}">
+                <a16:creationId xmlns:a16="http://schemas.microsoft.com/office/drawing/2014/main" id="{2CB04370-1A80-4FCA-B4BE-54A38C97DB31}"/>
+              </a:ext>
+            </a:extLst>
+          </p:cNvPr>
+          <p:cNvSpPr/>
+          <p:nvPr/>
+        </p:nvSpPr>
+        <p:spPr>
+          <a:xfrm>
+            <a:off x="4831394" y="4876919"/>
+            <a:ext cx="3878852" cy="1016567"/>
+          </a:xfrm>
+          <a:prstGeom prst="rect">
+            <a:avLst/>
+          </a:prstGeom>
+        </p:spPr>
+        <p:style>
+          <a:lnRef idx="2">
+            <a:schemeClr val="accent1">
+              <a:shade val="50000"/>
+            </a:schemeClr>
+          </a:lnRef>
+          <a:fillRef idx="1">
+            <a:schemeClr val="accent1"/>
+          </a:fillRef>
+          <a:effectRef idx="0">
+            <a:schemeClr val="accent1"/>
+          </a:effectRef>
+          <a:fontRef idx="minor">
+            <a:schemeClr val="lt1"/>
+          </a:fontRef>
+        </p:style>
+        <p:txBody>
+          <a:bodyPr rtlCol="0" anchor="ctr"/>
+          <a:lstStyle/>
+          <a:p>
+            <a:r>
+              <a:rPr lang="en-US" sz="1400" dirty="0"/>
+              <a:t>function Welcome extends React.Component {</a:t>
+            </a:r>
+          </a:p>
+          <a:p>
+            <a:r>
+              <a:rPr lang="en-US" sz="1400" dirty="0"/>
+              <a:t>    render () {</a:t>
+            </a:r>
+          </a:p>
+          <a:p>
+            <a:r>
+              <a:rPr lang="en-US" sz="1400" dirty="0"/>
+              <a:t>        return &lt;h1&gt; Hello, {props.name} &lt;/h1&gt;</a:t>
+            </a:r>
+          </a:p>
+          <a:p>
+            <a:r>
+              <a:rPr lang="en-US" sz="1400" dirty="0"/>
+              <a:t>    }</a:t>
+            </a:r>
+          </a:p>
+          <a:p>
+            <a:r>
+              <a:rPr lang="en-US" sz="1400" dirty="0"/>
               <a:t>}</a:t>
             </a:r>
           </a:p>
@@ -10007,7 +11705,7 @@
     </p:spTree>
     <p:extLst>
       <p:ext uri="{BB962C8B-B14F-4D97-AF65-F5344CB8AC3E}">
-        <p14:creationId xmlns:p14="http://schemas.microsoft.com/office/powerpoint/2010/main" val="1187171045"/>
+        <p14:creationId xmlns:p14="http://schemas.microsoft.com/office/powerpoint/2010/main" val="647636870"/>
       </p:ext>
     </p:extLst>
   </p:cSld>
@@ -10112,7 +11810,7 @@
         <p:spPr>
           <a:xfrm>
             <a:off x="467544" y="1340767"/>
-            <a:ext cx="8219256" cy="1711891"/>
+            <a:ext cx="8219256" cy="1501907"/>
           </a:xfrm>
           <a:ln>
             <a:solidFill>
@@ -10160,7 +11858,7 @@
                 </a:solidFill>
                 <a:latin typeface="+mj-lt"/>
               </a:rPr>
-              <a:t>Class component, on the other hand, our regular ES6 classes that extend the component class from the react library.</a:t>
+              <a:t>What are the differences? and when to use one over the other?</a:t>
             </a:r>
           </a:p>
           <a:p>
@@ -10179,7 +11877,7 @@
                 </a:solidFill>
                 <a:latin typeface="+mj-lt"/>
               </a:rPr>
-              <a:t>They must contain a render method which returns HTML.</a:t>
+              <a:t>We will discuss in the next.</a:t>
             </a:r>
           </a:p>
           <a:p>
@@ -10198,7 +11896,7 @@
                 </a:solidFill>
                 <a:latin typeface="+mj-lt"/>
               </a:rPr>
-              <a:t>For example, class  Welcome extends React.Component and the class contains a render method which returns an &lt;h1&gt; tag that says “Hello, name”.</a:t>
+              <a:t>Remember the two components types, stateless functional component and stateful class component.</a:t>
             </a:r>
           </a:p>
         </p:txBody>
@@ -10285,7 +11983,7 @@
             <a:fld id="{A4F910E6-8D00-4BAF-8C48-9688E0B449D3}" type="datetime1">
               <a:rPr lang="zh-TW" altLang="en-US" smtClean="0"/>
               <a:pPr/>
-              <a:t>2020/3/31</a:t>
+              <a:t>2020/6/27</a:t>
             </a:fld>
             <a:endParaRPr lang="zh-TW" altLang="en-US"/>
           </a:p>
@@ -10739,7 +12437,7 @@
     </p:spTree>
     <p:extLst>
       <p:ext uri="{BB962C8B-B14F-4D97-AF65-F5344CB8AC3E}">
-        <p14:creationId xmlns:p14="http://schemas.microsoft.com/office/powerpoint/2010/main" val="647636870"/>
+        <p14:creationId xmlns:p14="http://schemas.microsoft.com/office/powerpoint/2010/main" val="2503173892"/>
       </p:ext>
     </p:extLst>
   </p:cSld>
@@ -10843,8 +12541,8 @@
         </p:nvSpPr>
         <p:spPr>
           <a:xfrm>
-            <a:off x="467544" y="1340767"/>
-            <a:ext cx="8219256" cy="1501907"/>
+            <a:off x="467544" y="1340768"/>
+            <a:ext cx="8219256" cy="936104"/>
           </a:xfrm>
           <a:ln>
             <a:solidFill>
@@ -10892,7 +12590,7 @@
                 </a:solidFill>
                 <a:latin typeface="+mj-lt"/>
               </a:rPr>
-              <a:t>What are the differences? and when to use one over the other?</a:t>
+              <a:t>Let’s look at the AppComponent in our Hello World Application.</a:t>
             </a:r>
           </a:p>
           <a:p>
@@ -10911,26 +12609,7 @@
                 </a:solidFill>
                 <a:latin typeface="+mj-lt"/>
               </a:rPr>
-              <a:t>We will discuss in the next.</a:t>
-            </a:r>
-          </a:p>
-          <a:p>
-            <a:pPr marL="342900" indent="-342900" algn="l">
-              <a:buClr>
-                <a:srgbClr val="0070C0"/>
-              </a:buClr>
-              <a:buSzPct val="80000"/>
-              <a:buFont typeface="Wingdings" pitchFamily="2" charset="2"/>
-              <a:buChar char="u"/>
-            </a:pPr>
-            <a:r>
-              <a:rPr lang="en-US" altLang="zh-TW" sz="1600" b="1" dirty="0">
-                <a:solidFill>
-                  <a:schemeClr val="tx1"/>
-                </a:solidFill>
-                <a:latin typeface="+mj-lt"/>
-              </a:rPr>
-              <a:t>Remember the two components types, stateless functional component and stateful class component.</a:t>
+              <a:t>Go back to the source code.</a:t>
             </a:r>
           </a:p>
         </p:txBody>
@@ -11017,7 +12696,7 @@
             <a:fld id="{A4F910E6-8D00-4BAF-8C48-9688E0B449D3}" type="datetime1">
               <a:rPr lang="zh-TW" altLang="en-US" smtClean="0"/>
               <a:pPr/>
-              <a:t>2020/3/31</a:t>
+              <a:t>2020/6/27</a:t>
             </a:fld>
             <a:endParaRPr lang="zh-TW" altLang="en-US"/>
           </a:p>
@@ -11052,426 +12731,45 @@
           </a:p>
         </p:txBody>
       </p:sp>
-      <p:sp>
-        <p:nvSpPr>
-          <p:cNvPr id="14" name="Rectangle 13">
+      <p:pic>
+        <p:nvPicPr>
+          <p:cNvPr id="9" name="Picture 8">
             <a:extLst>
               <a:ext uri="{FF2B5EF4-FFF2-40B4-BE49-F238E27FC236}">
-                <a16:creationId xmlns:a16="http://schemas.microsoft.com/office/drawing/2014/main" id="{FE8D695B-85E6-4A28-8FB4-53AE3538875A}"/>
+                <a16:creationId xmlns:a16="http://schemas.microsoft.com/office/drawing/2014/main" id="{E795BB65-F7AF-449E-B044-0E5AE0C68B48}"/>
               </a:ext>
             </a:extLst>
           </p:cNvPr>
-          <p:cNvSpPr/>
+          <p:cNvPicPr>
+            <a:picLocks noChangeAspect="1"/>
+          </p:cNvPicPr>
           <p:nvPr/>
-        </p:nvSpPr>
-        <p:spPr>
-          <a:xfrm>
-            <a:off x="492697" y="3874135"/>
-            <a:ext cx="3384377" cy="404246"/>
+        </p:nvPicPr>
+        <p:blipFill>
+          <a:blip r:embed="rId3"/>
+          <a:stretch>
+            <a:fillRect/>
+          </a:stretch>
+        </p:blipFill>
+        <p:spPr>
+          <a:xfrm>
+            <a:off x="2824004" y="2367312"/>
+            <a:ext cx="3719215" cy="4191161"/>
           </a:xfrm>
           <a:prstGeom prst="rect">
             <a:avLst/>
           </a:prstGeom>
-          <a:noFill/>
           <a:ln>
-            <a:noFill/>
+            <a:solidFill>
+              <a:srgbClr val="C00000"/>
+            </a:solidFill>
           </a:ln>
         </p:spPr>
-        <p:style>
-          <a:lnRef idx="2">
-            <a:schemeClr val="accent1">
-              <a:shade val="50000"/>
-            </a:schemeClr>
-          </a:lnRef>
-          <a:fillRef idx="1">
-            <a:schemeClr val="accent1"/>
-          </a:fillRef>
-          <a:effectRef idx="0">
-            <a:schemeClr val="accent1"/>
-          </a:effectRef>
-          <a:fontRef idx="minor">
-            <a:schemeClr val="lt1"/>
-          </a:fontRef>
-        </p:style>
-        <p:txBody>
-          <a:bodyPr rtlCol="0" anchor="ctr"/>
-          <a:lstStyle/>
-          <a:p>
-            <a:r>
-              <a:rPr lang="en-US" dirty="0">
-                <a:solidFill>
-                  <a:schemeClr val="tx1"/>
-                </a:solidFill>
-              </a:rPr>
-              <a:t>Stateless Functional Component</a:t>
-            </a:r>
-          </a:p>
-        </p:txBody>
-      </p:sp>
-      <p:sp>
-        <p:nvSpPr>
-          <p:cNvPr id="18" name="Rectangle 17">
-            <a:extLst>
-              <a:ext uri="{FF2B5EF4-FFF2-40B4-BE49-F238E27FC236}">
-                <a16:creationId xmlns:a16="http://schemas.microsoft.com/office/drawing/2014/main" id="{E6E181D7-91C7-4D68-9C8A-25EF49DCBF04}"/>
-              </a:ext>
-            </a:extLst>
-          </p:cNvPr>
-          <p:cNvSpPr/>
-          <p:nvPr/>
-        </p:nvSpPr>
-        <p:spPr>
-          <a:xfrm>
-            <a:off x="4735942" y="3805342"/>
-            <a:ext cx="2808312" cy="404246"/>
-          </a:xfrm>
-          <a:prstGeom prst="rect">
-            <a:avLst/>
-          </a:prstGeom>
-          <a:noFill/>
-          <a:ln>
-            <a:noFill/>
-          </a:ln>
-        </p:spPr>
-        <p:style>
-          <a:lnRef idx="2">
-            <a:schemeClr val="accent1">
-              <a:shade val="50000"/>
-            </a:schemeClr>
-          </a:lnRef>
-          <a:fillRef idx="1">
-            <a:schemeClr val="accent1"/>
-          </a:fillRef>
-          <a:effectRef idx="0">
-            <a:schemeClr val="accent1"/>
-          </a:effectRef>
-          <a:fontRef idx="minor">
-            <a:schemeClr val="lt1"/>
-          </a:fontRef>
-        </p:style>
-        <p:txBody>
-          <a:bodyPr rtlCol="0" anchor="ctr"/>
-          <a:lstStyle/>
-          <a:p>
-            <a:r>
-              <a:rPr lang="en-US" dirty="0">
-                <a:solidFill>
-                  <a:schemeClr val="tx1"/>
-                </a:solidFill>
-              </a:rPr>
-              <a:t>Stateful Class Component</a:t>
-            </a:r>
-          </a:p>
-        </p:txBody>
-      </p:sp>
-      <p:sp>
-        <p:nvSpPr>
-          <p:cNvPr id="7" name="Rectangle 6">
-            <a:extLst>
-              <a:ext uri="{FF2B5EF4-FFF2-40B4-BE49-F238E27FC236}">
-                <a16:creationId xmlns:a16="http://schemas.microsoft.com/office/drawing/2014/main" id="{8BB04965-20E9-4364-B988-CD5651A02EC9}"/>
-              </a:ext>
-            </a:extLst>
-          </p:cNvPr>
-          <p:cNvSpPr/>
-          <p:nvPr/>
-        </p:nvSpPr>
-        <p:spPr>
-          <a:xfrm>
-            <a:off x="492697" y="4312110"/>
-            <a:ext cx="3647255" cy="1468680"/>
-          </a:xfrm>
-          <a:prstGeom prst="rect">
-            <a:avLst/>
-          </a:prstGeom>
-          <a:noFill/>
-        </p:spPr>
-        <p:style>
-          <a:lnRef idx="2">
-            <a:schemeClr val="accent1">
-              <a:shade val="50000"/>
-            </a:schemeClr>
-          </a:lnRef>
-          <a:fillRef idx="1">
-            <a:schemeClr val="accent1"/>
-          </a:fillRef>
-          <a:effectRef idx="0">
-            <a:schemeClr val="accent1"/>
-          </a:effectRef>
-          <a:fontRef idx="minor">
-            <a:schemeClr val="lt1"/>
-          </a:fontRef>
-        </p:style>
-        <p:txBody>
-          <a:bodyPr rtlCol="0" anchor="ctr"/>
-          <a:lstStyle/>
-          <a:p>
-            <a:r>
-              <a:rPr lang="en-US" dirty="0">
-                <a:solidFill>
-                  <a:schemeClr val="tx1"/>
-                </a:solidFill>
-              </a:rPr>
-              <a:t>JavaScript Functions</a:t>
-            </a:r>
-          </a:p>
-          <a:p>
-            <a:endParaRPr lang="en-US" dirty="0">
-              <a:solidFill>
-                <a:schemeClr val="tx1"/>
-              </a:solidFill>
-            </a:endParaRPr>
-          </a:p>
-          <a:p>
-            <a:endParaRPr lang="en-US" dirty="0">
-              <a:solidFill>
-                <a:schemeClr val="tx1"/>
-              </a:solidFill>
-            </a:endParaRPr>
-          </a:p>
-          <a:p>
-            <a:endParaRPr lang="en-US" dirty="0">
-              <a:solidFill>
-                <a:schemeClr val="tx1"/>
-              </a:solidFill>
-            </a:endParaRPr>
-          </a:p>
-          <a:p>
-            <a:endParaRPr lang="en-US" dirty="0">
-              <a:solidFill>
-                <a:schemeClr val="tx1"/>
-              </a:solidFill>
-            </a:endParaRPr>
-          </a:p>
-        </p:txBody>
-      </p:sp>
-      <p:sp>
-        <p:nvSpPr>
-          <p:cNvPr id="8" name="Rectangle 7">
-            <a:extLst>
-              <a:ext uri="{FF2B5EF4-FFF2-40B4-BE49-F238E27FC236}">
-                <a16:creationId xmlns:a16="http://schemas.microsoft.com/office/drawing/2014/main" id="{1F39236B-9D9A-4B6F-8E70-4EDD12AB15C3}"/>
-              </a:ext>
-            </a:extLst>
-          </p:cNvPr>
-          <p:cNvSpPr/>
-          <p:nvPr/>
-        </p:nvSpPr>
-        <p:spPr>
-          <a:xfrm>
-            <a:off x="564705" y="4712296"/>
-            <a:ext cx="3312369" cy="1016567"/>
-          </a:xfrm>
-          <a:prstGeom prst="rect">
-            <a:avLst/>
-          </a:prstGeom>
-        </p:spPr>
-        <p:style>
-          <a:lnRef idx="2">
-            <a:schemeClr val="accent1">
-              <a:shade val="50000"/>
-            </a:schemeClr>
-          </a:lnRef>
-          <a:fillRef idx="1">
-            <a:schemeClr val="accent1"/>
-          </a:fillRef>
-          <a:effectRef idx="0">
-            <a:schemeClr val="accent1"/>
-          </a:effectRef>
-          <a:fontRef idx="minor">
-            <a:schemeClr val="lt1"/>
-          </a:fontRef>
-        </p:style>
-        <p:txBody>
-          <a:bodyPr rtlCol="0" anchor="ctr"/>
-          <a:lstStyle/>
-          <a:p>
-            <a:r>
-              <a:rPr lang="en-US" sz="1400" dirty="0"/>
-              <a:t>function Welcome (props) {</a:t>
-            </a:r>
-          </a:p>
-          <a:p>
-            <a:r>
-              <a:rPr lang="en-US" sz="1400" dirty="0"/>
-              <a:t>    return &lt;h1&gt; Hello, {props.name} &lt;/h1&gt;</a:t>
-            </a:r>
-          </a:p>
-          <a:p>
-            <a:r>
-              <a:rPr lang="en-US" sz="1400" dirty="0"/>
-              <a:t>}</a:t>
-            </a:r>
-          </a:p>
-        </p:txBody>
-      </p:sp>
-      <p:sp>
-        <p:nvSpPr>
-          <p:cNvPr id="11" name="Rectangle 10">
-            <a:extLst>
-              <a:ext uri="{FF2B5EF4-FFF2-40B4-BE49-F238E27FC236}">
-                <a16:creationId xmlns:a16="http://schemas.microsoft.com/office/drawing/2014/main" id="{C3E91036-E9B0-4268-91EF-BD866B361DAA}"/>
-              </a:ext>
-            </a:extLst>
-          </p:cNvPr>
-          <p:cNvSpPr/>
-          <p:nvPr/>
-        </p:nvSpPr>
-        <p:spPr>
-          <a:xfrm>
-            <a:off x="4735942" y="4321994"/>
-            <a:ext cx="4228546" cy="1699294"/>
-          </a:xfrm>
-          <a:prstGeom prst="rect">
-            <a:avLst/>
-          </a:prstGeom>
-          <a:noFill/>
-        </p:spPr>
-        <p:style>
-          <a:lnRef idx="2">
-            <a:schemeClr val="accent1">
-              <a:shade val="50000"/>
-            </a:schemeClr>
-          </a:lnRef>
-          <a:fillRef idx="1">
-            <a:schemeClr val="accent1"/>
-          </a:fillRef>
-          <a:effectRef idx="0">
-            <a:schemeClr val="accent1"/>
-          </a:effectRef>
-          <a:fontRef idx="minor">
-            <a:schemeClr val="lt1"/>
-          </a:fontRef>
-        </p:style>
-        <p:txBody>
-          <a:bodyPr rtlCol="0" anchor="ctr"/>
-          <a:lstStyle/>
-          <a:p>
-            <a:r>
-              <a:rPr lang="en-US" dirty="0">
-                <a:solidFill>
-                  <a:schemeClr val="tx1"/>
-                </a:solidFill>
-              </a:rPr>
-              <a:t>Class extending Component class</a:t>
-            </a:r>
-          </a:p>
-          <a:p>
-            <a:r>
-              <a:rPr lang="en-US" dirty="0">
-                <a:solidFill>
-                  <a:schemeClr val="tx1"/>
-                </a:solidFill>
-              </a:rPr>
-              <a:t>Render method returning HTML</a:t>
-            </a:r>
-          </a:p>
-          <a:p>
-            <a:endParaRPr lang="en-US" dirty="0">
-              <a:solidFill>
-                <a:schemeClr val="tx1"/>
-              </a:solidFill>
-            </a:endParaRPr>
-          </a:p>
-          <a:p>
-            <a:endParaRPr lang="en-US" dirty="0">
-              <a:solidFill>
-                <a:schemeClr val="tx1"/>
-              </a:solidFill>
-            </a:endParaRPr>
-          </a:p>
-          <a:p>
-            <a:endParaRPr lang="en-US" dirty="0">
-              <a:solidFill>
-                <a:schemeClr val="tx1"/>
-              </a:solidFill>
-            </a:endParaRPr>
-          </a:p>
-          <a:p>
-            <a:endParaRPr lang="en-US" dirty="0">
-              <a:solidFill>
-                <a:schemeClr val="tx1"/>
-              </a:solidFill>
-            </a:endParaRPr>
-          </a:p>
-        </p:txBody>
-      </p:sp>
-      <p:sp>
-        <p:nvSpPr>
-          <p:cNvPr id="13" name="Rectangle 12">
-            <a:extLst>
-              <a:ext uri="{FF2B5EF4-FFF2-40B4-BE49-F238E27FC236}">
-                <a16:creationId xmlns:a16="http://schemas.microsoft.com/office/drawing/2014/main" id="{2CB04370-1A80-4FCA-B4BE-54A38C97DB31}"/>
-              </a:ext>
-            </a:extLst>
-          </p:cNvPr>
-          <p:cNvSpPr/>
-          <p:nvPr/>
-        </p:nvSpPr>
-        <p:spPr>
-          <a:xfrm>
-            <a:off x="4831394" y="4876919"/>
-            <a:ext cx="3878852" cy="1016567"/>
-          </a:xfrm>
-          <a:prstGeom prst="rect">
-            <a:avLst/>
-          </a:prstGeom>
-        </p:spPr>
-        <p:style>
-          <a:lnRef idx="2">
-            <a:schemeClr val="accent1">
-              <a:shade val="50000"/>
-            </a:schemeClr>
-          </a:lnRef>
-          <a:fillRef idx="1">
-            <a:schemeClr val="accent1"/>
-          </a:fillRef>
-          <a:effectRef idx="0">
-            <a:schemeClr val="accent1"/>
-          </a:effectRef>
-          <a:fontRef idx="minor">
-            <a:schemeClr val="lt1"/>
-          </a:fontRef>
-        </p:style>
-        <p:txBody>
-          <a:bodyPr rtlCol="0" anchor="ctr"/>
-          <a:lstStyle/>
-          <a:p>
-            <a:r>
-              <a:rPr lang="en-US" sz="1400" dirty="0"/>
-              <a:t>function Welcome extends React.Component {</a:t>
-            </a:r>
-          </a:p>
-          <a:p>
-            <a:r>
-              <a:rPr lang="en-US" sz="1400" dirty="0"/>
-              <a:t>    render () {</a:t>
-            </a:r>
-          </a:p>
-          <a:p>
-            <a:r>
-              <a:rPr lang="en-US" sz="1400" dirty="0"/>
-              <a:t>        return &lt;h1&gt; Hello, {props.name} &lt;/h1&gt;</a:t>
-            </a:r>
-          </a:p>
-          <a:p>
-            <a:r>
-              <a:rPr lang="en-US" sz="1400" dirty="0"/>
-              <a:t>    }</a:t>
-            </a:r>
-          </a:p>
-          <a:p>
-            <a:r>
-              <a:rPr lang="en-US" sz="1400" dirty="0"/>
-              <a:t>}</a:t>
-            </a:r>
-          </a:p>
-        </p:txBody>
-      </p:sp>
+      </p:pic>
     </p:spTree>
     <p:extLst>
       <p:ext uri="{BB962C8B-B14F-4D97-AF65-F5344CB8AC3E}">
-        <p14:creationId xmlns:p14="http://schemas.microsoft.com/office/powerpoint/2010/main" val="2503173892"/>
+        <p14:creationId xmlns:p14="http://schemas.microsoft.com/office/powerpoint/2010/main" val="3827099079"/>
       </p:ext>
     </p:extLst>
   </p:cSld>
